--- a/Matlab/presentazione.pptx
+++ b/Matlab/presentazione.pptx
@@ -5,10 +5,10 @@
     <p:sldMasterId id="2147483648" r:id="rId1"/>
   </p:sldMasterIdLst>
   <p:notesMasterIdLst>
-    <p:notesMasterId r:id="rId21"/>
+    <p:notesMasterId r:id="rId24"/>
   </p:notesMasterIdLst>
   <p:handoutMasterIdLst>
-    <p:handoutMasterId r:id="rId22"/>
+    <p:handoutMasterId r:id="rId25"/>
   </p:handoutMasterIdLst>
   <p:sldIdLst>
     <p:sldId id="263" r:id="rId2"/>
@@ -29,7 +29,10 @@
     <p:sldId id="274" r:id="rId17"/>
     <p:sldId id="275" r:id="rId18"/>
     <p:sldId id="276" r:id="rId19"/>
-    <p:sldId id="277" r:id="rId20"/>
+    <p:sldId id="279" r:id="rId20"/>
+    <p:sldId id="280" r:id="rId21"/>
+    <p:sldId id="281" r:id="rId22"/>
+    <p:sldId id="277" r:id="rId23"/>
   </p:sldIdLst>
   <p:sldSz cx="9144000" cy="6858000" type="screen4x3"/>
   <p:notesSz cx="6858000" cy="9144000"/>
@@ -15939,8 +15942,8 @@
           </a:p>
         </p:txBody>
       </p:sp>
-      <mc:AlternateContent xmlns:mc="http://schemas.openxmlformats.org/markup-compatibility/2006">
-        <mc:Choice xmlns:a14="http://schemas.microsoft.com/office/drawing/2010/main" Requires="a14">
+      <mc:AlternateContent xmlns:mc="http://schemas.openxmlformats.org/markup-compatibility/2006" xmlns:a14="http://schemas.microsoft.com/office/drawing/2010/main">
+        <mc:Choice Requires="a14">
           <p:sp>
             <p:nvSpPr>
               <p:cNvPr id="8" name="TextBox 7">
@@ -16234,7 +16237,7 @@
             </p:txBody>
           </p:sp>
         </mc:Choice>
-        <mc:Fallback>
+        <mc:Fallback xmlns="">
           <p:sp>
             <p:nvSpPr>
               <p:cNvPr id="8" name="TextBox 7">
@@ -16320,49 +16323,228 @@
           </a:p>
         </p:txBody>
       </p:sp>
-      <p:sp>
-        <p:nvSpPr>
-          <p:cNvPr id="10" name="TextBox 9">
-            <a:extLst>
-              <a:ext uri="{FF2B5EF4-FFF2-40B4-BE49-F238E27FC236}">
-                <a16:creationId xmlns:a16="http://schemas.microsoft.com/office/drawing/2014/main" id="{38179912-CA13-4BA1-883C-37D702367C1C}"/>
-              </a:ext>
-            </a:extLst>
-          </p:cNvPr>
-          <p:cNvSpPr txBox="1"/>
-          <p:nvPr/>
-        </p:nvSpPr>
-        <p:spPr>
-          <a:xfrm>
-            <a:off x="5220072" y="5012918"/>
-            <a:ext cx="2895600" cy="523220"/>
-          </a:xfrm>
-          <a:prstGeom prst="rect">
-            <a:avLst/>
-          </a:prstGeom>
-          <a:noFill/>
-        </p:spPr>
-        <p:txBody>
-          <a:bodyPr wrap="square" rtlCol="0">
-            <a:spAutoFit/>
-          </a:bodyPr>
-          <a:lstStyle/>
-          <a:p>
-            <a:r>
-              <a:rPr lang="en-IN" sz="2800" dirty="0">
-                <a:solidFill>
-                  <a:srgbClr val="000000"/>
-                </a:solidFill>
-                <a:latin typeface="Times New Roman" panose="02020603050405020304" pitchFamily="18" charset="0"/>
-                <a:cs typeface="Times New Roman" panose="02020603050405020304" pitchFamily="18" charset="0"/>
-              </a:rPr>
-              <a:t>J= </a:t>
-            </a:r>
-          </a:p>
-        </p:txBody>
-      </p:sp>
-      <mc:AlternateContent xmlns:mc="http://schemas.openxmlformats.org/markup-compatibility/2006">
-        <mc:Choice xmlns:a14="http://schemas.microsoft.com/office/drawing/2010/main" Requires="a14">
+      <mc:AlternateContent xmlns:mc="http://schemas.openxmlformats.org/markup-compatibility/2006" xmlns:a14="http://schemas.microsoft.com/office/drawing/2010/main">
+        <mc:Choice Requires="a14">
+          <p:sp>
+            <p:nvSpPr>
+              <p:cNvPr id="10" name="TextBox 9">
+                <a:extLst>
+                  <a:ext uri="{FF2B5EF4-FFF2-40B4-BE49-F238E27FC236}">
+                    <a16:creationId xmlns:a16="http://schemas.microsoft.com/office/drawing/2014/main" id="{38179912-CA13-4BA1-883C-37D702367C1C}"/>
+                  </a:ext>
+                </a:extLst>
+              </p:cNvPr>
+              <p:cNvSpPr txBox="1"/>
+              <p:nvPr/>
+            </p:nvSpPr>
+            <p:spPr>
+              <a:xfrm>
+                <a:off x="4932040" y="4959699"/>
+                <a:ext cx="3526160" cy="523220"/>
+              </a:xfrm>
+              <a:prstGeom prst="rect">
+                <a:avLst/>
+              </a:prstGeom>
+              <a:noFill/>
+            </p:spPr>
+            <p:txBody>
+              <a:bodyPr wrap="square" rtlCol="0">
+                <a:spAutoFit/>
+              </a:bodyPr>
+              <a:lstStyle/>
+              <a:p>
+                <a:r>
+                  <a:rPr lang="en-IN" sz="2800" dirty="0">
+                    <a:solidFill>
+                      <a:srgbClr val="000000"/>
+                    </a:solidFill>
+                    <a:latin typeface="Times New Roman" panose="02020603050405020304" pitchFamily="18" charset="0"/>
+                    <a:cs typeface="Times New Roman" panose="02020603050405020304" pitchFamily="18" charset="0"/>
+                  </a:rPr>
+                  <a:t>J=13.4x</a:t>
+                </a:r>
+                <a14:m>
+                  <m:oMath xmlns:m="http://schemas.openxmlformats.org/officeDocument/2006/math">
+                    <m:sSup>
+                      <m:sSupPr>
+                        <m:ctrlPr>
+                          <a:rPr lang="en-IN" sz="2800" i="1" smtClean="0">
+                            <a:solidFill>
+                              <a:srgbClr val="000000"/>
+                            </a:solidFill>
+                            <a:latin typeface="Cambria Math" panose="02040503050406030204" pitchFamily="18" charset="0"/>
+                            <a:cs typeface="Times New Roman" panose="02020603050405020304" pitchFamily="18" charset="0"/>
+                          </a:rPr>
+                        </m:ctrlPr>
+                      </m:sSupPr>
+                      <m:e>
+                        <m:r>
+                          <a:rPr lang="en-IN" sz="2800" b="0" i="1" smtClean="0">
+                            <a:solidFill>
+                              <a:srgbClr val="000000"/>
+                            </a:solidFill>
+                            <a:latin typeface="Cambria Math" panose="02040503050406030204" pitchFamily="18" charset="0"/>
+                            <a:cs typeface="Times New Roman" panose="02020603050405020304" pitchFamily="18" charset="0"/>
+                          </a:rPr>
+                          <m:t>10</m:t>
+                        </m:r>
+                      </m:e>
+                      <m:sup>
+                        <m:r>
+                          <a:rPr lang="en-IN" sz="2800" b="0" i="1" smtClean="0">
+                            <a:solidFill>
+                              <a:srgbClr val="000000"/>
+                            </a:solidFill>
+                            <a:latin typeface="Cambria Math" panose="02040503050406030204" pitchFamily="18" charset="0"/>
+                            <a:cs typeface="Times New Roman" panose="02020603050405020304" pitchFamily="18" charset="0"/>
+                          </a:rPr>
+                          <m:t>−2</m:t>
+                        </m:r>
+                      </m:sup>
+                    </m:sSup>
+                  </m:oMath>
+                </a14:m>
+                <a:r>
+                  <a:rPr lang="en-IN" sz="2800" dirty="0">
+                    <a:solidFill>
+                      <a:srgbClr val="000000"/>
+                    </a:solidFill>
+                  </a:rPr>
+                  <a:t> </a:t>
+                </a:r>
+                <a14:m>
+                  <m:oMath xmlns:m="http://schemas.openxmlformats.org/officeDocument/2006/math">
+                    <m:d>
+                      <m:dPr>
+                        <m:begChr m:val="["/>
+                        <m:endChr m:val="]"/>
+                        <m:ctrlPr>
+                          <a:rPr lang="en-IN" sz="2800" i="1">
+                            <a:solidFill>
+                              <a:srgbClr val="000000"/>
+                            </a:solidFill>
+                            <a:latin typeface="Cambria Math" panose="02040503050406030204" pitchFamily="18" charset="0"/>
+                          </a:rPr>
+                        </m:ctrlPr>
+                      </m:dPr>
+                      <m:e>
+                        <m:r>
+                          <a:rPr lang="en-IN" sz="2800" i="1">
+                            <a:solidFill>
+                              <a:srgbClr val="000000"/>
+                            </a:solidFill>
+                            <a:latin typeface="Cambria Math" panose="02040503050406030204" pitchFamily="18" charset="0"/>
+                          </a:rPr>
+                          <m:t>𝑘𝑔</m:t>
+                        </m:r>
+                        <m:r>
+                          <a:rPr lang="en-IN" sz="2800" i="1">
+                            <a:solidFill>
+                              <a:srgbClr val="000000"/>
+                            </a:solidFill>
+                            <a:latin typeface="Cambria Math" panose="02040503050406030204" pitchFamily="18" charset="0"/>
+                          </a:rPr>
+                          <m:t>/</m:t>
+                        </m:r>
+                        <m:sSup>
+                          <m:sSupPr>
+                            <m:ctrlPr>
+                              <a:rPr lang="en-IN" sz="2800" i="1">
+                                <a:solidFill>
+                                  <a:srgbClr val="000000"/>
+                                </a:solidFill>
+                                <a:latin typeface="Cambria Math" panose="02040503050406030204" pitchFamily="18" charset="0"/>
+                              </a:rPr>
+                            </m:ctrlPr>
+                          </m:sSupPr>
+                          <m:e>
+                            <m:r>
+                              <a:rPr lang="en-IN" sz="2800" i="1">
+                                <a:solidFill>
+                                  <a:srgbClr val="000000"/>
+                                </a:solidFill>
+                                <a:latin typeface="Cambria Math" panose="02040503050406030204" pitchFamily="18" charset="0"/>
+                              </a:rPr>
+                              <m:t>𝑚</m:t>
+                            </m:r>
+                          </m:e>
+                          <m:sup>
+                            <m:r>
+                              <a:rPr lang="en-IN" sz="2800" i="1">
+                                <a:solidFill>
+                                  <a:srgbClr val="000000"/>
+                                </a:solidFill>
+                                <a:latin typeface="Cambria Math" panose="02040503050406030204" pitchFamily="18" charset="0"/>
+                              </a:rPr>
+                              <m:t>2</m:t>
+                            </m:r>
+                          </m:sup>
+                        </m:sSup>
+                      </m:e>
+                    </m:d>
+                  </m:oMath>
+                </a14:m>
+                <a:r>
+                  <a:rPr lang="en-IN" sz="2800" dirty="0">
+                    <a:solidFill>
+                      <a:srgbClr val="000000"/>
+                    </a:solidFill>
+                    <a:latin typeface="Times New Roman" panose="02020603050405020304" pitchFamily="18" charset="0"/>
+                    <a:cs typeface="Times New Roman" panose="02020603050405020304" pitchFamily="18" charset="0"/>
+                  </a:rPr>
+                  <a:t> </a:t>
+                </a:r>
+              </a:p>
+            </p:txBody>
+          </p:sp>
+        </mc:Choice>
+        <mc:Fallback xmlns="">
+          <p:sp>
+            <p:nvSpPr>
+              <p:cNvPr id="10" name="TextBox 9">
+                <a:extLst>
+                  <a:ext uri="{FF2B5EF4-FFF2-40B4-BE49-F238E27FC236}">
+                    <a16:creationId xmlns:a16="http://schemas.microsoft.com/office/drawing/2014/main" id="{38179912-CA13-4BA1-883C-37D702367C1C}"/>
+                  </a:ext>
+                </a:extLst>
+              </p:cNvPr>
+              <p:cNvSpPr txBox="1">
+                <a:spLocks noRot="1" noChangeAspect="1" noMove="1" noResize="1" noEditPoints="1" noAdjustHandles="1" noChangeArrowheads="1" noChangeShapeType="1" noTextEdit="1"/>
+              </p:cNvSpPr>
+              <p:nvPr/>
+            </p:nvSpPr>
+            <p:spPr>
+              <a:xfrm>
+                <a:off x="4932040" y="4959699"/>
+                <a:ext cx="3526160" cy="523220"/>
+              </a:xfrm>
+              <a:prstGeom prst="rect">
+                <a:avLst/>
+              </a:prstGeom>
+              <a:blipFill>
+                <a:blip r:embed="rId3"/>
+                <a:stretch>
+                  <a:fillRect l="-3454" t="-12941" b="-32941"/>
+                </a:stretch>
+              </a:blipFill>
+            </p:spPr>
+            <p:txBody>
+              <a:bodyPr/>
+              <a:lstStyle/>
+              <a:p>
+                <a:r>
+                  <a:rPr lang="en-IN">
+                    <a:noFill/>
+                  </a:rPr>
+                  <a:t> </a:t>
+                </a:r>
+              </a:p>
+            </p:txBody>
+          </p:sp>
+        </mc:Fallback>
+      </mc:AlternateContent>
+      <mc:AlternateContent xmlns:mc="http://schemas.openxmlformats.org/markup-compatibility/2006" xmlns:a14="http://schemas.microsoft.com/office/drawing/2010/main">
+        <mc:Choice Requires="a14">
           <p:sp>
             <p:nvSpPr>
               <p:cNvPr id="11" name="TextBox 10">
@@ -16440,13 +16622,13 @@
                     <a:latin typeface="Times New Roman" panose="02020603050405020304" pitchFamily="18" charset="0"/>
                     <a:cs typeface="Times New Roman" panose="02020603050405020304" pitchFamily="18" charset="0"/>
                   </a:rPr>
-                  <a:t>=40ms</a:t>
+                  <a:t>=30ms</a:t>
                 </a:r>
               </a:p>
             </p:txBody>
           </p:sp>
         </mc:Choice>
-        <mc:Fallback>
+        <mc:Fallback xmlns="">
           <p:sp>
             <p:nvSpPr>
               <p:cNvPr id="11" name="TextBox 10">
@@ -16470,7 +16652,7 @@
                 <a:avLst/>
               </a:prstGeom>
               <a:blipFill>
-                <a:blip r:embed="rId3"/>
+                <a:blip r:embed="rId4"/>
                 <a:stretch>
                   <a:fillRect t="-11628" b="-31395"/>
                 </a:stretch>
@@ -16491,8 +16673,8 @@
           </p:sp>
         </mc:Fallback>
       </mc:AlternateContent>
-      <mc:AlternateContent xmlns:mc="http://schemas.openxmlformats.org/markup-compatibility/2006">
-        <mc:Choice xmlns:a14="http://schemas.microsoft.com/office/drawing/2010/main" Requires="a14">
+      <mc:AlternateContent xmlns:mc="http://schemas.openxmlformats.org/markup-compatibility/2006" xmlns:a14="http://schemas.microsoft.com/office/drawing/2010/main">
+        <mc:Choice Requires="a14">
           <p:sp>
             <p:nvSpPr>
               <p:cNvPr id="12" name="TextBox 11">
@@ -16755,7 +16937,7 @@
             </p:txBody>
           </p:sp>
         </mc:Choice>
-        <mc:Fallback>
+        <mc:Fallback xmlns="">
           <p:sp>
             <p:nvSpPr>
               <p:cNvPr id="12" name="TextBox 11">
@@ -16779,7 +16961,7 @@
                 <a:avLst/>
               </a:prstGeom>
               <a:blipFill>
-                <a:blip r:embed="rId4"/>
+                <a:blip r:embed="rId5"/>
                 <a:stretch>
                   <a:fillRect l="-2662" b="-1563"/>
                 </a:stretch>
@@ -17378,8 +17560,8 @@
           </p:sp>
         </mc:Fallback>
       </mc:AlternateContent>
-      <mc:AlternateContent xmlns:mc="http://schemas.openxmlformats.org/markup-compatibility/2006">
-        <mc:Choice xmlns:a14="http://schemas.microsoft.com/office/drawing/2010/main" Requires="a14">
+      <mc:AlternateContent xmlns:mc="http://schemas.openxmlformats.org/markup-compatibility/2006" xmlns:a14="http://schemas.microsoft.com/office/drawing/2010/main">
+        <mc:Choice Requires="a14">
           <p:sp>
             <p:nvSpPr>
               <p:cNvPr id="9" name="TextBox 8">
@@ -17557,7 +17739,7 @@
             </p:txBody>
           </p:sp>
         </mc:Choice>
-        <mc:Fallback>
+        <mc:Fallback xmlns="">
           <p:sp>
             <p:nvSpPr>
               <p:cNvPr id="9" name="TextBox 8">
@@ -17916,8 +18098,8 @@
           </a:p>
         </p:txBody>
       </p:sp>
-      <mc:AlternateContent xmlns:mc="http://schemas.openxmlformats.org/markup-compatibility/2006">
-        <mc:Choice xmlns:a14="http://schemas.microsoft.com/office/drawing/2010/main" Requires="a14">
+      <mc:AlternateContent xmlns:mc="http://schemas.openxmlformats.org/markup-compatibility/2006" xmlns:a14="http://schemas.microsoft.com/office/drawing/2010/main">
+        <mc:Choice Requires="a14">
           <p:sp>
             <p:nvSpPr>
               <p:cNvPr id="12" name="TextBox 11">
@@ -18026,7 +18208,7 @@
             </p:txBody>
           </p:sp>
         </mc:Choice>
-        <mc:Fallback>
+        <mc:Fallback xmlns="">
           <p:sp>
             <p:nvSpPr>
               <p:cNvPr id="12" name="TextBox 11">
@@ -18161,8 +18343,8 @@
           </a:p>
         </p:txBody>
       </p:sp>
-      <mc:AlternateContent xmlns:mc="http://schemas.openxmlformats.org/markup-compatibility/2006">
-        <mc:Choice xmlns:a14="http://schemas.microsoft.com/office/drawing/2010/main" Requires="a14">
+      <mc:AlternateContent xmlns:mc="http://schemas.openxmlformats.org/markup-compatibility/2006" xmlns:a14="http://schemas.microsoft.com/office/drawing/2010/main">
+        <mc:Choice Requires="a14">
           <p:sp>
             <p:nvSpPr>
               <p:cNvPr id="14" name="TextBox 13">
@@ -18306,7 +18488,7 @@
             </p:txBody>
           </p:sp>
         </mc:Choice>
-        <mc:Fallback>
+        <mc:Fallback xmlns="">
           <p:sp>
             <p:nvSpPr>
               <p:cNvPr id="14" name="TextBox 13">
@@ -18517,7 +18699,7 @@
           <p:cNvPr id="2" name="Title 1">
             <a:extLst>
               <a:ext uri="{FF2B5EF4-FFF2-40B4-BE49-F238E27FC236}">
-                <a16:creationId xmlns:a16="http://schemas.microsoft.com/office/drawing/2014/main" id="{D8910176-865B-4D65-B4F1-474EEF7F5D06}"/>
+                <a16:creationId xmlns:a16="http://schemas.microsoft.com/office/drawing/2014/main" id="{538D6EDA-4E79-472D-B29C-071CEF620E90}"/>
               </a:ext>
             </a:extLst>
           </p:cNvPr>
@@ -18528,23 +18710,15 @@
             <p:ph type="title"/>
           </p:nvPr>
         </p:nvSpPr>
-        <p:spPr>
-          <a:xfrm>
-            <a:off x="898525" y="242888"/>
-            <a:ext cx="7559675" cy="581025"/>
-          </a:xfrm>
-        </p:spPr>
+        <p:spPr/>
         <p:txBody>
           <a:bodyPr/>
           <a:lstStyle/>
           <a:p>
             <a:pPr algn="ctr"/>
             <a:r>
-              <a:rPr lang="en-IN" u="sng" dirty="0">
-                <a:latin typeface="Times New Roman" panose="02020603050405020304" pitchFamily="18" charset="0"/>
-                <a:cs typeface="Times New Roman" panose="02020603050405020304" pitchFamily="18" charset="0"/>
-              </a:rPr>
-              <a:t>CONCLUSIONS</a:t>
+              <a:rPr lang="en-IN" u="sng" dirty="0"/>
+              <a:t>MATLAB CODES FOR PI-CONTROLLER</a:t>
             </a:r>
           </a:p>
         </p:txBody>
@@ -18554,7 +18728,7 @@
           <p:cNvPr id="4" name="Date Placeholder 3">
             <a:extLst>
               <a:ext uri="{FF2B5EF4-FFF2-40B4-BE49-F238E27FC236}">
-                <a16:creationId xmlns:a16="http://schemas.microsoft.com/office/drawing/2014/main" id="{056E7781-D1F4-4C36-823F-BF597C2713CD}"/>
+                <a16:creationId xmlns:a16="http://schemas.microsoft.com/office/drawing/2014/main" id="{F839ED15-86F9-425B-91AD-6924D2C1A423}"/>
               </a:ext>
             </a:extLst>
           </p:cNvPr>
@@ -18589,7 +18763,7 @@
           <p:cNvPr id="5" name="Footer Placeholder 4">
             <a:extLst>
               <a:ext uri="{FF2B5EF4-FFF2-40B4-BE49-F238E27FC236}">
-                <a16:creationId xmlns:a16="http://schemas.microsoft.com/office/drawing/2014/main" id="{6F29E73F-FDD0-4EA6-AEF4-A81619DC34A8}"/>
+                <a16:creationId xmlns:a16="http://schemas.microsoft.com/office/drawing/2014/main" id="{D313829F-46AA-4196-BB1E-5733DBD01715}"/>
               </a:ext>
             </a:extLst>
           </p:cNvPr>
@@ -18621,7 +18795,7 @@
           <p:cNvPr id="6" name="Slide Number Placeholder 5">
             <a:extLst>
               <a:ext uri="{FF2B5EF4-FFF2-40B4-BE49-F238E27FC236}">
-                <a16:creationId xmlns:a16="http://schemas.microsoft.com/office/drawing/2014/main" id="{76FC4498-9258-47C8-BD2A-79099CD26E0D}"/>
+                <a16:creationId xmlns:a16="http://schemas.microsoft.com/office/drawing/2014/main" id="{4836FF22-BB38-481F-B682-683E126E42C7}"/>
               </a:ext>
             </a:extLst>
           </p:cNvPr>
@@ -18655,234 +18829,46 @@
           </a:p>
         </p:txBody>
       </p:sp>
-      <p:sp>
-        <p:nvSpPr>
-          <p:cNvPr id="7" name="TextBox 6">
+      <p:pic>
+        <p:nvPicPr>
+          <p:cNvPr id="8" name="Picture 7">
             <a:extLst>
               <a:ext uri="{FF2B5EF4-FFF2-40B4-BE49-F238E27FC236}">
-                <a16:creationId xmlns:a16="http://schemas.microsoft.com/office/drawing/2014/main" id="{9F155011-829B-4794-9B9F-5A9A739DEA7B}"/>
+                <a16:creationId xmlns:a16="http://schemas.microsoft.com/office/drawing/2014/main" id="{26911EA8-4672-4AE7-A2A0-586F4492C560}"/>
               </a:ext>
             </a:extLst>
           </p:cNvPr>
-          <p:cNvSpPr txBox="1"/>
+          <p:cNvPicPr>
+            <a:picLocks noChangeAspect="1"/>
+          </p:cNvPicPr>
           <p:nvPr/>
-        </p:nvSpPr>
+        </p:nvPicPr>
+        <p:blipFill>
+          <a:blip r:embed="rId2">
+            <a:extLst>
+              <a:ext uri="{28A0092B-C50C-407E-A947-70E740481C1C}">
+                <a14:useLocalDpi xmlns:a14="http://schemas.microsoft.com/office/drawing/2010/main" val="0"/>
+              </a:ext>
+            </a:extLst>
+          </a:blip>
+          <a:stretch>
+            <a:fillRect/>
+          </a:stretch>
+        </p:blipFill>
         <p:spPr>
           <a:xfrm>
-            <a:off x="287524" y="938005"/>
-            <a:ext cx="8568952" cy="5262979"/>
+            <a:off x="561772" y="911803"/>
+            <a:ext cx="6943928" cy="5034394"/>
           </a:xfrm>
           <a:prstGeom prst="rect">
             <a:avLst/>
           </a:prstGeom>
-          <a:noFill/>
         </p:spPr>
-        <p:txBody>
-          <a:bodyPr wrap="square" rtlCol="0">
-            <a:spAutoFit/>
-          </a:bodyPr>
-          <a:lstStyle/>
-          <a:p>
-            <a:r>
-              <a:rPr lang="en-US" sz="2400" dirty="0">
-                <a:solidFill>
-                  <a:srgbClr val="000000"/>
-                </a:solidFill>
-                <a:latin typeface="Times New Roman" panose="02020603050405020304" pitchFamily="18" charset="0"/>
-                <a:cs typeface="Times New Roman" panose="02020603050405020304" pitchFamily="18" charset="0"/>
-              </a:rPr>
-              <a:t>During the development of this project we have learnt the following:</a:t>
-            </a:r>
-          </a:p>
-          <a:p>
-            <a:endParaRPr lang="en-US" sz="2400" dirty="0">
-              <a:solidFill>
-                <a:srgbClr val="000000"/>
-              </a:solidFill>
-              <a:latin typeface="Times New Roman" panose="02020603050405020304" pitchFamily="18" charset="0"/>
-              <a:cs typeface="Times New Roman" panose="02020603050405020304" pitchFamily="18" charset="0"/>
-            </a:endParaRPr>
-          </a:p>
-          <a:p>
-            <a:pPr marL="342900" indent="-342900">
-              <a:buFont typeface="Arial" panose="020B0604020202020204" pitchFamily="34" charset="0"/>
-              <a:buChar char="•"/>
-            </a:pPr>
-            <a:r>
-              <a:rPr lang="en-US" sz="2400" dirty="0">
-                <a:solidFill>
-                  <a:srgbClr val="000000"/>
-                </a:solidFill>
-                <a:latin typeface="Times New Roman" panose="02020603050405020304" pitchFamily="18" charset="0"/>
-                <a:cs typeface="Times New Roman" panose="02020603050405020304" pitchFamily="18" charset="0"/>
-              </a:rPr>
-              <a:t>Learned how to interface Arduino and </a:t>
-            </a:r>
-            <a:r>
-              <a:rPr lang="en-US" sz="2400" dirty="0" err="1">
-                <a:solidFill>
-                  <a:srgbClr val="000000"/>
-                </a:solidFill>
-                <a:latin typeface="Times New Roman" panose="02020603050405020304" pitchFamily="18" charset="0"/>
-                <a:cs typeface="Times New Roman" panose="02020603050405020304" pitchFamily="18" charset="0"/>
-              </a:rPr>
-              <a:t>Matlab</a:t>
-            </a:r>
-            <a:r>
-              <a:rPr lang="en-US" sz="2400" dirty="0">
-                <a:solidFill>
-                  <a:srgbClr val="000000"/>
-                </a:solidFill>
-                <a:latin typeface="Times New Roman" panose="02020603050405020304" pitchFamily="18" charset="0"/>
-                <a:cs typeface="Times New Roman" panose="02020603050405020304" pitchFamily="18" charset="0"/>
-              </a:rPr>
-              <a:t> for real time</a:t>
-            </a:r>
-          </a:p>
-          <a:p>
-            <a:r>
-              <a:rPr lang="en-US" sz="2400" dirty="0">
-                <a:solidFill>
-                  <a:srgbClr val="000000"/>
-                </a:solidFill>
-                <a:latin typeface="Times New Roman" panose="02020603050405020304" pitchFamily="18" charset="0"/>
-                <a:cs typeface="Times New Roman" panose="02020603050405020304" pitchFamily="18" charset="0"/>
-              </a:rPr>
-              <a:t>simulation and analysis</a:t>
-            </a:r>
-          </a:p>
-          <a:p>
-            <a:endParaRPr lang="en-US" sz="2400" dirty="0">
-              <a:solidFill>
-                <a:srgbClr val="000000"/>
-              </a:solidFill>
-              <a:latin typeface="Times New Roman" panose="02020603050405020304" pitchFamily="18" charset="0"/>
-              <a:cs typeface="Times New Roman" panose="02020603050405020304" pitchFamily="18" charset="0"/>
-            </a:endParaRPr>
-          </a:p>
-          <a:p>
-            <a:pPr marL="342900" indent="-342900">
-              <a:buFont typeface="Arial" panose="020B0604020202020204" pitchFamily="34" charset="0"/>
-              <a:buChar char="•"/>
-            </a:pPr>
-            <a:r>
-              <a:rPr lang="en-US" sz="2400" dirty="0">
-                <a:solidFill>
-                  <a:srgbClr val="000000"/>
-                </a:solidFill>
-                <a:latin typeface="Times New Roman" panose="02020603050405020304" pitchFamily="18" charset="0"/>
-                <a:cs typeface="Times New Roman" panose="02020603050405020304" pitchFamily="18" charset="0"/>
-              </a:rPr>
-              <a:t>Estimated the DC motor parameters in order to obtain an estimate</a:t>
-            </a:r>
-          </a:p>
-          <a:p>
-            <a:r>
-              <a:rPr lang="en-US" sz="2400" dirty="0">
-                <a:solidFill>
-                  <a:srgbClr val="000000"/>
-                </a:solidFill>
-                <a:latin typeface="Times New Roman" panose="02020603050405020304" pitchFamily="18" charset="0"/>
-                <a:cs typeface="Times New Roman" panose="02020603050405020304" pitchFamily="18" charset="0"/>
-              </a:rPr>
-              <a:t>of the motor torque</a:t>
-            </a:r>
-          </a:p>
-          <a:p>
-            <a:endParaRPr lang="en-US" sz="2400" dirty="0">
-              <a:solidFill>
-                <a:srgbClr val="000000"/>
-              </a:solidFill>
-              <a:latin typeface="Times New Roman" panose="02020603050405020304" pitchFamily="18" charset="0"/>
-              <a:cs typeface="Times New Roman" panose="02020603050405020304" pitchFamily="18" charset="0"/>
-            </a:endParaRPr>
-          </a:p>
-          <a:p>
-            <a:pPr marL="342900" indent="-342900">
-              <a:buFont typeface="Arial" panose="020B0604020202020204" pitchFamily="34" charset="0"/>
-              <a:buChar char="•"/>
-            </a:pPr>
-            <a:r>
-              <a:rPr lang="en-US" sz="2400" dirty="0">
-                <a:solidFill>
-                  <a:srgbClr val="000000"/>
-                </a:solidFill>
-                <a:latin typeface="Times New Roman" panose="02020603050405020304" pitchFamily="18" charset="0"/>
-                <a:cs typeface="Times New Roman" panose="02020603050405020304" pitchFamily="18" charset="0"/>
-              </a:rPr>
-              <a:t> Implemented a PI speed controller and seen the effects of the</a:t>
-            </a:r>
-          </a:p>
-          <a:p>
-            <a:r>
-              <a:rPr lang="en-US" sz="2400" dirty="0">
-                <a:solidFill>
-                  <a:srgbClr val="000000"/>
-                </a:solidFill>
-                <a:latin typeface="Times New Roman" panose="02020603050405020304" pitchFamily="18" charset="0"/>
-                <a:cs typeface="Times New Roman" panose="02020603050405020304" pitchFamily="18" charset="0"/>
-              </a:rPr>
-              <a:t>proportional and integral gains.</a:t>
-            </a:r>
-          </a:p>
-          <a:p>
-            <a:endParaRPr lang="en-US" sz="2400" dirty="0">
-              <a:solidFill>
-                <a:srgbClr val="000000"/>
-              </a:solidFill>
-              <a:latin typeface="Times New Roman" panose="02020603050405020304" pitchFamily="18" charset="0"/>
-              <a:cs typeface="Times New Roman" panose="02020603050405020304" pitchFamily="18" charset="0"/>
-            </a:endParaRPr>
-          </a:p>
-          <a:p>
-            <a:r>
-              <a:rPr lang="en-US" sz="2400" dirty="0">
-                <a:solidFill>
-                  <a:srgbClr val="000000"/>
-                </a:solidFill>
-                <a:latin typeface="Times New Roman" panose="02020603050405020304" pitchFamily="18" charset="0"/>
-                <a:cs typeface="Times New Roman" panose="02020603050405020304" pitchFamily="18" charset="0"/>
-              </a:rPr>
-              <a:t>Future work: possibly, an implementation of a position controller</a:t>
-            </a:r>
-          </a:p>
-          <a:p>
-            <a:r>
-              <a:rPr lang="en-US" sz="2400" dirty="0">
-                <a:solidFill>
-                  <a:srgbClr val="000000"/>
-                </a:solidFill>
-                <a:latin typeface="Times New Roman" panose="02020603050405020304" pitchFamily="18" charset="0"/>
-                <a:cs typeface="Times New Roman" panose="02020603050405020304" pitchFamily="18" charset="0"/>
-              </a:rPr>
-              <a:t>introducing external sensors to create a zero reference signal</a:t>
-            </a:r>
-          </a:p>
-          <a:p>
-            <a:r>
-              <a:rPr lang="en-US" sz="2400" dirty="0">
-                <a:solidFill>
-                  <a:srgbClr val="000000"/>
-                </a:solidFill>
-                <a:latin typeface="Times New Roman" panose="02020603050405020304" pitchFamily="18" charset="0"/>
-                <a:cs typeface="Times New Roman" panose="02020603050405020304" pitchFamily="18" charset="0"/>
-              </a:rPr>
-              <a:t>(mechanical or magnetic switch).</a:t>
-            </a:r>
-            <a:endParaRPr lang="en-IN" sz="2400" dirty="0">
-              <a:solidFill>
-                <a:srgbClr val="000000"/>
-              </a:solidFill>
-              <a:latin typeface="Times New Roman" panose="02020603050405020304" pitchFamily="18" charset="0"/>
-              <a:cs typeface="Times New Roman" panose="02020603050405020304" pitchFamily="18" charset="0"/>
-            </a:endParaRPr>
-          </a:p>
-        </p:txBody>
-      </p:sp>
+      </p:pic>
     </p:spTree>
     <p:extLst>
       <p:ext uri="{BB962C8B-B14F-4D97-AF65-F5344CB8AC3E}">
-        <p14:creationId xmlns:p14="http://schemas.microsoft.com/office/powerpoint/2010/main" val="4011620746"/>
+        <p14:creationId xmlns:p14="http://schemas.microsoft.com/office/powerpoint/2010/main" val="1155494582"/>
       </p:ext>
     </p:extLst>
   </p:cSld>
@@ -20120,7 +20106,7 @@
               <a:buChar char="Ø"/>
             </a:pPr>
             <a:r>
-              <a:rPr lang="en-IN" altLang="en-US" sz="3200">
+              <a:rPr lang="en-IN" altLang="en-US" sz="3200" dirty="0">
                 <a:solidFill>
                   <a:srgbClr val="000000"/>
                 </a:solidFill>
@@ -20135,7 +20121,7 @@
               <a:buFont typeface="Wingdings" panose="05000000000000000000" pitchFamily="2" charset="2"/>
               <a:buChar char="Ø"/>
             </a:pPr>
-            <a:endParaRPr lang="en-IN" altLang="en-US" sz="3200">
+            <a:endParaRPr lang="en-IN" altLang="en-US" sz="3200" dirty="0">
               <a:solidFill>
                 <a:srgbClr val="000000"/>
               </a:solidFill>
@@ -20148,7 +20134,7 @@
               <a:buFont typeface="Wingdings" panose="05000000000000000000" pitchFamily="2" charset="2"/>
               <a:buChar char="Ø"/>
             </a:pPr>
-            <a:endParaRPr lang="en-IN" altLang="en-US" sz="3200">
+            <a:endParaRPr lang="en-IN" altLang="en-US" sz="3200" dirty="0">
               <a:solidFill>
                 <a:srgbClr val="000000"/>
               </a:solidFill>
@@ -20162,7 +20148,7 @@
               <a:buChar char="Ø"/>
             </a:pPr>
             <a:r>
-              <a:rPr lang="en-IN" altLang="en-US" sz="3200">
+              <a:rPr lang="en-IN" altLang="en-US" sz="3200" dirty="0">
                 <a:solidFill>
                   <a:srgbClr val="000000"/>
                 </a:solidFill>
@@ -20177,7 +20163,7 @@
               <a:buFont typeface="Wingdings" panose="05000000000000000000" pitchFamily="2" charset="2"/>
               <a:buChar char="Ø"/>
             </a:pPr>
-            <a:endParaRPr lang="en-IN" altLang="en-US" sz="3200">
+            <a:endParaRPr lang="en-IN" altLang="en-US" sz="3200" dirty="0">
               <a:solidFill>
                 <a:srgbClr val="000000"/>
               </a:solidFill>
@@ -20190,7 +20176,7 @@
               <a:buFont typeface="Wingdings" panose="05000000000000000000" pitchFamily="2" charset="2"/>
               <a:buChar char="Ø"/>
             </a:pPr>
-            <a:endParaRPr lang="en-IN" altLang="en-US" sz="3200">
+            <a:endParaRPr lang="en-IN" altLang="en-US" sz="3200" dirty="0">
               <a:solidFill>
                 <a:srgbClr val="000000"/>
               </a:solidFill>
@@ -20204,14 +20190,14 @@
               <a:buChar char="Ø"/>
             </a:pPr>
             <a:r>
-              <a:rPr lang="en-IN" altLang="en-US" sz="3200">
+              <a:rPr lang="en-IN" altLang="en-US" sz="3200" dirty="0">
                 <a:solidFill>
                   <a:srgbClr val="000000"/>
                 </a:solidFill>
                 <a:latin typeface="Times New Roman" panose="02020603050405020304" pitchFamily="18" charset="0"/>
                 <a:cs typeface="Times New Roman" panose="02020603050405020304" pitchFamily="18" charset="0"/>
               </a:rPr>
-              <a:t>Estimation of a PI Controller</a:t>
+              <a:t>Realisation of a PI Controller</a:t>
             </a:r>
           </a:p>
           <a:p>
@@ -20219,7 +20205,7 @@
               <a:buFont typeface="Wingdings" panose="05000000000000000000" pitchFamily="2" charset="2"/>
               <a:buChar char="Ø"/>
             </a:pPr>
-            <a:endParaRPr lang="en-IN" altLang="en-US" sz="2400">
+            <a:endParaRPr lang="en-IN" altLang="en-US" sz="2400" dirty="0">
               <a:solidFill>
                 <a:srgbClr val="000000"/>
               </a:solidFill>
@@ -20232,7 +20218,7 @@
               <a:buFont typeface="Wingdings" panose="05000000000000000000" pitchFamily="2" charset="2"/>
               <a:buChar char="Ø"/>
             </a:pPr>
-            <a:endParaRPr lang="en-IN" altLang="en-US" sz="2400">
+            <a:endParaRPr lang="en-IN" altLang="en-US" sz="2400" dirty="0">
               <a:solidFill>
                 <a:srgbClr val="000000"/>
               </a:solidFill>
@@ -20245,7 +20231,7 @@
               <a:buFont typeface="Wingdings" panose="05000000000000000000" pitchFamily="2" charset="2"/>
               <a:buChar char="Ø"/>
             </a:pPr>
-            <a:endParaRPr lang="en-IN" altLang="en-US" sz="2400">
+            <a:endParaRPr lang="en-IN" altLang="en-US" sz="2400" dirty="0">
               <a:solidFill>
                 <a:srgbClr val="000000"/>
               </a:solidFill>
@@ -20256,6 +20242,797 @@
         </p:txBody>
       </p:sp>
     </p:spTree>
+  </p:cSld>
+  <p:clrMapOvr>
+    <a:masterClrMapping/>
+  </p:clrMapOvr>
+</p:sld>
+</file>
+
+<file path=ppt/slides/slide20.xml><?xml version="1.0" encoding="utf-8"?>
+<p:sld xmlns:a="http://schemas.openxmlformats.org/drawingml/2006/main" xmlns:r="http://schemas.openxmlformats.org/officeDocument/2006/relationships" xmlns:p="http://schemas.openxmlformats.org/presentationml/2006/main">
+  <p:cSld>
+    <p:spTree>
+      <p:nvGrpSpPr>
+        <p:cNvPr id="1" name=""/>
+        <p:cNvGrpSpPr/>
+        <p:nvPr/>
+      </p:nvGrpSpPr>
+      <p:grpSpPr>
+        <a:xfrm>
+          <a:off x="0" y="0"/>
+          <a:ext cx="0" cy="0"/>
+          <a:chOff x="0" y="0"/>
+          <a:chExt cx="0" cy="0"/>
+        </a:xfrm>
+      </p:grpSpPr>
+      <p:sp>
+        <p:nvSpPr>
+          <p:cNvPr id="2" name="Title 1">
+            <a:extLst>
+              <a:ext uri="{FF2B5EF4-FFF2-40B4-BE49-F238E27FC236}">
+                <a16:creationId xmlns:a16="http://schemas.microsoft.com/office/drawing/2014/main" id="{209BD607-1D74-447E-B4B2-A8986D695C12}"/>
+              </a:ext>
+            </a:extLst>
+          </p:cNvPr>
+          <p:cNvSpPr>
+            <a:spLocks noGrp="1"/>
+          </p:cNvSpPr>
+          <p:nvPr>
+            <p:ph type="title"/>
+          </p:nvPr>
+        </p:nvSpPr>
+        <p:spPr/>
+        <p:txBody>
+          <a:bodyPr/>
+          <a:lstStyle/>
+          <a:p>
+            <a:pPr algn="ctr"/>
+            <a:r>
+              <a:rPr lang="en-IN" u="sng" dirty="0">
+                <a:latin typeface="Times New Roman" panose="02020603050405020304" pitchFamily="18" charset="0"/>
+                <a:cs typeface="Times New Roman" panose="02020603050405020304" pitchFamily="18" charset="0"/>
+              </a:rPr>
+              <a:t>MATLAB CODES FOR PI-CONTROLLER(CONTD.)</a:t>
+            </a:r>
+            <a:endParaRPr lang="en-IN" dirty="0">
+              <a:latin typeface="Times New Roman" panose="02020603050405020304" pitchFamily="18" charset="0"/>
+              <a:cs typeface="Times New Roman" panose="02020603050405020304" pitchFamily="18" charset="0"/>
+            </a:endParaRPr>
+          </a:p>
+        </p:txBody>
+      </p:sp>
+      <p:sp>
+        <p:nvSpPr>
+          <p:cNvPr id="4" name="Date Placeholder 3">
+            <a:extLst>
+              <a:ext uri="{FF2B5EF4-FFF2-40B4-BE49-F238E27FC236}">
+                <a16:creationId xmlns:a16="http://schemas.microsoft.com/office/drawing/2014/main" id="{792A3C71-80F9-4E50-892F-62D55F6A828E}"/>
+              </a:ext>
+            </a:extLst>
+          </p:cNvPr>
+          <p:cNvSpPr>
+            <a:spLocks noGrp="1"/>
+          </p:cNvSpPr>
+          <p:nvPr>
+            <p:ph type="dt" sz="half" idx="10"/>
+          </p:nvPr>
+        </p:nvSpPr>
+        <p:spPr/>
+        <p:txBody>
+          <a:bodyPr/>
+          <a:lstStyle/>
+          <a:p>
+            <a:pPr>
+              <a:defRPr/>
+            </a:pPr>
+            <a:fld id="{8788D6E5-DD1B-4A91-84A1-CD33954E8356}" type="datetime1">
+              <a:rPr lang="en-US" altLang="en-US" smtClean="0"/>
+              <a:pPr>
+                <a:defRPr/>
+              </a:pPr>
+              <a:t>2/17/2020</a:t>
+            </a:fld>
+            <a:endParaRPr lang="it-IT" altLang="en-US"/>
+          </a:p>
+        </p:txBody>
+      </p:sp>
+      <p:sp>
+        <p:nvSpPr>
+          <p:cNvPr id="5" name="Footer Placeholder 4">
+            <a:extLst>
+              <a:ext uri="{FF2B5EF4-FFF2-40B4-BE49-F238E27FC236}">
+                <a16:creationId xmlns:a16="http://schemas.microsoft.com/office/drawing/2014/main" id="{E0C8ADCA-B445-4DE2-9EF6-3F29AA28620A}"/>
+              </a:ext>
+            </a:extLst>
+          </p:cNvPr>
+          <p:cNvSpPr>
+            <a:spLocks noGrp="1"/>
+          </p:cNvSpPr>
+          <p:nvPr>
+            <p:ph type="ftr" sz="quarter" idx="11"/>
+          </p:nvPr>
+        </p:nvSpPr>
+        <p:spPr/>
+        <p:txBody>
+          <a:bodyPr/>
+          <a:lstStyle/>
+          <a:p>
+            <a:pPr>
+              <a:defRPr/>
+            </a:pPr>
+            <a:r>
+              <a:rPr lang="en-US" altLang="en-US"/>
+              <a:t>Estimation of DC Motor Load</a:t>
+            </a:r>
+            <a:endParaRPr lang="it-IT" altLang="en-US"/>
+          </a:p>
+        </p:txBody>
+      </p:sp>
+      <p:sp>
+        <p:nvSpPr>
+          <p:cNvPr id="6" name="Slide Number Placeholder 5">
+            <a:extLst>
+              <a:ext uri="{FF2B5EF4-FFF2-40B4-BE49-F238E27FC236}">
+                <a16:creationId xmlns:a16="http://schemas.microsoft.com/office/drawing/2014/main" id="{6320A92F-F12A-4411-A09F-A2BCB3DCA0A9}"/>
+              </a:ext>
+            </a:extLst>
+          </p:cNvPr>
+          <p:cNvSpPr>
+            <a:spLocks noGrp="1"/>
+          </p:cNvSpPr>
+          <p:nvPr>
+            <p:ph type="sldNum" sz="quarter" idx="12"/>
+          </p:nvPr>
+        </p:nvSpPr>
+        <p:spPr/>
+        <p:txBody>
+          <a:bodyPr/>
+          <a:lstStyle/>
+          <a:p>
+            <a:pPr>
+              <a:defRPr/>
+            </a:pPr>
+            <a:r>
+              <a:rPr lang="it-IT" altLang="en-US"/>
+              <a:t>Pagina </a:t>
+            </a:r>
+            <a:fld id="{518FB3ED-A44A-45B9-BA92-347FF2C76328}" type="slidenum">
+              <a:rPr lang="it-IT" altLang="en-US" smtClean="0"/>
+              <a:pPr>
+                <a:defRPr/>
+              </a:pPr>
+              <a:t>20</a:t>
+            </a:fld>
+            <a:endParaRPr lang="it-IT" altLang="en-US"/>
+          </a:p>
+        </p:txBody>
+      </p:sp>
+      <p:pic>
+        <p:nvPicPr>
+          <p:cNvPr id="8" name="Picture 7">
+            <a:extLst>
+              <a:ext uri="{FF2B5EF4-FFF2-40B4-BE49-F238E27FC236}">
+                <a16:creationId xmlns:a16="http://schemas.microsoft.com/office/drawing/2014/main" id="{360A96F1-D919-4CE4-BB6B-0086F13BF321}"/>
+              </a:ext>
+            </a:extLst>
+          </p:cNvPr>
+          <p:cNvPicPr>
+            <a:picLocks noChangeAspect="1"/>
+          </p:cNvPicPr>
+          <p:nvPr/>
+        </p:nvPicPr>
+        <p:blipFill>
+          <a:blip r:embed="rId2">
+            <a:extLst>
+              <a:ext uri="{28A0092B-C50C-407E-A947-70E740481C1C}">
+                <a14:useLocalDpi xmlns:a14="http://schemas.microsoft.com/office/drawing/2010/main" val="0"/>
+              </a:ext>
+            </a:extLst>
+          </a:blip>
+          <a:stretch>
+            <a:fillRect/>
+          </a:stretch>
+        </p:blipFill>
+        <p:spPr>
+          <a:xfrm>
+            <a:off x="899592" y="1268760"/>
+            <a:ext cx="7098987" cy="4845042"/>
+          </a:xfrm>
+          <a:prstGeom prst="rect">
+            <a:avLst/>
+          </a:prstGeom>
+        </p:spPr>
+      </p:pic>
+    </p:spTree>
+    <p:extLst>
+      <p:ext uri="{BB962C8B-B14F-4D97-AF65-F5344CB8AC3E}">
+        <p14:creationId xmlns:p14="http://schemas.microsoft.com/office/powerpoint/2010/main" val="2595306616"/>
+      </p:ext>
+    </p:extLst>
+  </p:cSld>
+  <p:clrMapOvr>
+    <a:masterClrMapping/>
+  </p:clrMapOvr>
+</p:sld>
+</file>
+
+<file path=ppt/slides/slide21.xml><?xml version="1.0" encoding="utf-8"?>
+<p:sld xmlns:a="http://schemas.openxmlformats.org/drawingml/2006/main" xmlns:r="http://schemas.openxmlformats.org/officeDocument/2006/relationships" xmlns:p="http://schemas.openxmlformats.org/presentationml/2006/main">
+  <p:cSld>
+    <p:spTree>
+      <p:nvGrpSpPr>
+        <p:cNvPr id="1" name=""/>
+        <p:cNvGrpSpPr/>
+        <p:nvPr/>
+      </p:nvGrpSpPr>
+      <p:grpSpPr>
+        <a:xfrm>
+          <a:off x="0" y="0"/>
+          <a:ext cx="0" cy="0"/>
+          <a:chOff x="0" y="0"/>
+          <a:chExt cx="0" cy="0"/>
+        </a:xfrm>
+      </p:grpSpPr>
+      <p:sp>
+        <p:nvSpPr>
+          <p:cNvPr id="2" name="Title 1">
+            <a:extLst>
+              <a:ext uri="{FF2B5EF4-FFF2-40B4-BE49-F238E27FC236}">
+                <a16:creationId xmlns:a16="http://schemas.microsoft.com/office/drawing/2014/main" id="{2886EE58-F4E3-401F-9B4D-921B2367FDD3}"/>
+              </a:ext>
+            </a:extLst>
+          </p:cNvPr>
+          <p:cNvSpPr>
+            <a:spLocks noGrp="1"/>
+          </p:cNvSpPr>
+          <p:nvPr>
+            <p:ph type="title"/>
+          </p:nvPr>
+        </p:nvSpPr>
+        <p:spPr/>
+        <p:txBody>
+          <a:bodyPr/>
+          <a:lstStyle/>
+          <a:p>
+            <a:endParaRPr lang="en-IN"/>
+          </a:p>
+        </p:txBody>
+      </p:sp>
+      <p:sp>
+        <p:nvSpPr>
+          <p:cNvPr id="3" name="Content Placeholder 2">
+            <a:extLst>
+              <a:ext uri="{FF2B5EF4-FFF2-40B4-BE49-F238E27FC236}">
+                <a16:creationId xmlns:a16="http://schemas.microsoft.com/office/drawing/2014/main" id="{4DAD25C7-4D53-4F8B-A96A-7D9F191CBF17}"/>
+              </a:ext>
+            </a:extLst>
+          </p:cNvPr>
+          <p:cNvSpPr>
+            <a:spLocks noGrp="1"/>
+          </p:cNvSpPr>
+          <p:nvPr>
+            <p:ph idx="1"/>
+          </p:nvPr>
+        </p:nvSpPr>
+        <p:spPr/>
+        <p:txBody>
+          <a:bodyPr/>
+          <a:lstStyle/>
+          <a:p>
+            <a:endParaRPr lang="en-IN"/>
+          </a:p>
+        </p:txBody>
+      </p:sp>
+      <p:sp>
+        <p:nvSpPr>
+          <p:cNvPr id="4" name="Date Placeholder 3">
+            <a:extLst>
+              <a:ext uri="{FF2B5EF4-FFF2-40B4-BE49-F238E27FC236}">
+                <a16:creationId xmlns:a16="http://schemas.microsoft.com/office/drawing/2014/main" id="{DEA03246-03DA-402C-B8CE-CC0892827F70}"/>
+              </a:ext>
+            </a:extLst>
+          </p:cNvPr>
+          <p:cNvSpPr>
+            <a:spLocks noGrp="1"/>
+          </p:cNvSpPr>
+          <p:nvPr>
+            <p:ph type="dt" sz="half" idx="10"/>
+          </p:nvPr>
+        </p:nvSpPr>
+        <p:spPr/>
+        <p:txBody>
+          <a:bodyPr/>
+          <a:lstStyle/>
+          <a:p>
+            <a:pPr>
+              <a:defRPr/>
+            </a:pPr>
+            <a:fld id="{8788D6E5-DD1B-4A91-84A1-CD33954E8356}" type="datetime1">
+              <a:rPr lang="en-US" altLang="en-US" smtClean="0"/>
+              <a:pPr>
+                <a:defRPr/>
+              </a:pPr>
+              <a:t>2/17/2020</a:t>
+            </a:fld>
+            <a:endParaRPr lang="it-IT" altLang="en-US"/>
+          </a:p>
+        </p:txBody>
+      </p:sp>
+      <p:sp>
+        <p:nvSpPr>
+          <p:cNvPr id="5" name="Footer Placeholder 4">
+            <a:extLst>
+              <a:ext uri="{FF2B5EF4-FFF2-40B4-BE49-F238E27FC236}">
+                <a16:creationId xmlns:a16="http://schemas.microsoft.com/office/drawing/2014/main" id="{41CC05EC-2764-4130-971C-4DB5B7F6A9E7}"/>
+              </a:ext>
+            </a:extLst>
+          </p:cNvPr>
+          <p:cNvSpPr>
+            <a:spLocks noGrp="1"/>
+          </p:cNvSpPr>
+          <p:nvPr>
+            <p:ph type="ftr" sz="quarter" idx="11"/>
+          </p:nvPr>
+        </p:nvSpPr>
+        <p:spPr/>
+        <p:txBody>
+          <a:bodyPr/>
+          <a:lstStyle/>
+          <a:p>
+            <a:pPr>
+              <a:defRPr/>
+            </a:pPr>
+            <a:r>
+              <a:rPr lang="en-US" altLang="en-US"/>
+              <a:t>Estimation of DC Motor Load</a:t>
+            </a:r>
+            <a:endParaRPr lang="it-IT" altLang="en-US"/>
+          </a:p>
+        </p:txBody>
+      </p:sp>
+      <p:sp>
+        <p:nvSpPr>
+          <p:cNvPr id="6" name="Slide Number Placeholder 5">
+            <a:extLst>
+              <a:ext uri="{FF2B5EF4-FFF2-40B4-BE49-F238E27FC236}">
+                <a16:creationId xmlns:a16="http://schemas.microsoft.com/office/drawing/2014/main" id="{1CBC63C7-3876-412B-BDAA-9E60B00A56C0}"/>
+              </a:ext>
+            </a:extLst>
+          </p:cNvPr>
+          <p:cNvSpPr>
+            <a:spLocks noGrp="1"/>
+          </p:cNvSpPr>
+          <p:nvPr>
+            <p:ph type="sldNum" sz="quarter" idx="12"/>
+          </p:nvPr>
+        </p:nvSpPr>
+        <p:spPr/>
+        <p:txBody>
+          <a:bodyPr/>
+          <a:lstStyle/>
+          <a:p>
+            <a:pPr>
+              <a:defRPr/>
+            </a:pPr>
+            <a:r>
+              <a:rPr lang="it-IT" altLang="en-US"/>
+              <a:t>Pagina </a:t>
+            </a:r>
+            <a:fld id="{518FB3ED-A44A-45B9-BA92-347FF2C76328}" type="slidenum">
+              <a:rPr lang="it-IT" altLang="en-US" smtClean="0"/>
+              <a:pPr>
+                <a:defRPr/>
+              </a:pPr>
+              <a:t>21</a:t>
+            </a:fld>
+            <a:endParaRPr lang="it-IT" altLang="en-US"/>
+          </a:p>
+        </p:txBody>
+      </p:sp>
+    </p:spTree>
+    <p:extLst>
+      <p:ext uri="{BB962C8B-B14F-4D97-AF65-F5344CB8AC3E}">
+        <p14:creationId xmlns:p14="http://schemas.microsoft.com/office/powerpoint/2010/main" val="3721282757"/>
+      </p:ext>
+    </p:extLst>
+  </p:cSld>
+  <p:clrMapOvr>
+    <a:masterClrMapping/>
+  </p:clrMapOvr>
+</p:sld>
+</file>
+
+<file path=ppt/slides/slide22.xml><?xml version="1.0" encoding="utf-8"?>
+<p:sld xmlns:a="http://schemas.openxmlformats.org/drawingml/2006/main" xmlns:r="http://schemas.openxmlformats.org/officeDocument/2006/relationships" xmlns:p="http://schemas.openxmlformats.org/presentationml/2006/main">
+  <p:cSld>
+    <p:spTree>
+      <p:nvGrpSpPr>
+        <p:cNvPr id="1" name=""/>
+        <p:cNvGrpSpPr/>
+        <p:nvPr/>
+      </p:nvGrpSpPr>
+      <p:grpSpPr>
+        <a:xfrm>
+          <a:off x="0" y="0"/>
+          <a:ext cx="0" cy="0"/>
+          <a:chOff x="0" y="0"/>
+          <a:chExt cx="0" cy="0"/>
+        </a:xfrm>
+      </p:grpSpPr>
+      <p:sp>
+        <p:nvSpPr>
+          <p:cNvPr id="2" name="Title 1">
+            <a:extLst>
+              <a:ext uri="{FF2B5EF4-FFF2-40B4-BE49-F238E27FC236}">
+                <a16:creationId xmlns:a16="http://schemas.microsoft.com/office/drawing/2014/main" id="{D8910176-865B-4D65-B4F1-474EEF7F5D06}"/>
+              </a:ext>
+            </a:extLst>
+          </p:cNvPr>
+          <p:cNvSpPr>
+            <a:spLocks noGrp="1"/>
+          </p:cNvSpPr>
+          <p:nvPr>
+            <p:ph type="title"/>
+          </p:nvPr>
+        </p:nvSpPr>
+        <p:spPr>
+          <a:xfrm>
+            <a:off x="898525" y="242888"/>
+            <a:ext cx="7559675" cy="581025"/>
+          </a:xfrm>
+        </p:spPr>
+        <p:txBody>
+          <a:bodyPr/>
+          <a:lstStyle/>
+          <a:p>
+            <a:pPr algn="ctr"/>
+            <a:r>
+              <a:rPr lang="en-IN" u="sng" dirty="0">
+                <a:latin typeface="Times New Roman" panose="02020603050405020304" pitchFamily="18" charset="0"/>
+                <a:cs typeface="Times New Roman" panose="02020603050405020304" pitchFamily="18" charset="0"/>
+              </a:rPr>
+              <a:t>CONCLUSIONS</a:t>
+            </a:r>
+          </a:p>
+        </p:txBody>
+      </p:sp>
+      <p:sp>
+        <p:nvSpPr>
+          <p:cNvPr id="4" name="Date Placeholder 3">
+            <a:extLst>
+              <a:ext uri="{FF2B5EF4-FFF2-40B4-BE49-F238E27FC236}">
+                <a16:creationId xmlns:a16="http://schemas.microsoft.com/office/drawing/2014/main" id="{056E7781-D1F4-4C36-823F-BF597C2713CD}"/>
+              </a:ext>
+            </a:extLst>
+          </p:cNvPr>
+          <p:cNvSpPr>
+            <a:spLocks noGrp="1"/>
+          </p:cNvSpPr>
+          <p:nvPr>
+            <p:ph type="dt" sz="half" idx="10"/>
+          </p:nvPr>
+        </p:nvSpPr>
+        <p:spPr/>
+        <p:txBody>
+          <a:bodyPr/>
+          <a:lstStyle/>
+          <a:p>
+            <a:pPr>
+              <a:defRPr/>
+            </a:pPr>
+            <a:fld id="{8788D6E5-DD1B-4A91-84A1-CD33954E8356}" type="datetime1">
+              <a:rPr lang="en-US" altLang="en-US" smtClean="0"/>
+              <a:pPr>
+                <a:defRPr/>
+              </a:pPr>
+              <a:t>2/17/2020</a:t>
+            </a:fld>
+            <a:endParaRPr lang="it-IT" altLang="en-US"/>
+          </a:p>
+        </p:txBody>
+      </p:sp>
+      <p:sp>
+        <p:nvSpPr>
+          <p:cNvPr id="5" name="Footer Placeholder 4">
+            <a:extLst>
+              <a:ext uri="{FF2B5EF4-FFF2-40B4-BE49-F238E27FC236}">
+                <a16:creationId xmlns:a16="http://schemas.microsoft.com/office/drawing/2014/main" id="{6F29E73F-FDD0-4EA6-AEF4-A81619DC34A8}"/>
+              </a:ext>
+            </a:extLst>
+          </p:cNvPr>
+          <p:cNvSpPr>
+            <a:spLocks noGrp="1"/>
+          </p:cNvSpPr>
+          <p:nvPr>
+            <p:ph type="ftr" sz="quarter" idx="11"/>
+          </p:nvPr>
+        </p:nvSpPr>
+        <p:spPr/>
+        <p:txBody>
+          <a:bodyPr/>
+          <a:lstStyle/>
+          <a:p>
+            <a:pPr>
+              <a:defRPr/>
+            </a:pPr>
+            <a:r>
+              <a:rPr lang="en-US" altLang="en-US"/>
+              <a:t>Estimation of DC Motor Load</a:t>
+            </a:r>
+            <a:endParaRPr lang="it-IT" altLang="en-US"/>
+          </a:p>
+        </p:txBody>
+      </p:sp>
+      <p:sp>
+        <p:nvSpPr>
+          <p:cNvPr id="6" name="Slide Number Placeholder 5">
+            <a:extLst>
+              <a:ext uri="{FF2B5EF4-FFF2-40B4-BE49-F238E27FC236}">
+                <a16:creationId xmlns:a16="http://schemas.microsoft.com/office/drawing/2014/main" id="{76FC4498-9258-47C8-BD2A-79099CD26E0D}"/>
+              </a:ext>
+            </a:extLst>
+          </p:cNvPr>
+          <p:cNvSpPr>
+            <a:spLocks noGrp="1"/>
+          </p:cNvSpPr>
+          <p:nvPr>
+            <p:ph type="sldNum" sz="quarter" idx="12"/>
+          </p:nvPr>
+        </p:nvSpPr>
+        <p:spPr/>
+        <p:txBody>
+          <a:bodyPr/>
+          <a:lstStyle/>
+          <a:p>
+            <a:pPr>
+              <a:defRPr/>
+            </a:pPr>
+            <a:r>
+              <a:rPr lang="it-IT" altLang="en-US"/>
+              <a:t>Pagina </a:t>
+            </a:r>
+            <a:fld id="{518FB3ED-A44A-45B9-BA92-347FF2C76328}" type="slidenum">
+              <a:rPr lang="it-IT" altLang="en-US" smtClean="0"/>
+              <a:pPr>
+                <a:defRPr/>
+              </a:pPr>
+              <a:t>22</a:t>
+            </a:fld>
+            <a:endParaRPr lang="it-IT" altLang="en-US"/>
+          </a:p>
+        </p:txBody>
+      </p:sp>
+      <p:sp>
+        <p:nvSpPr>
+          <p:cNvPr id="7" name="TextBox 6">
+            <a:extLst>
+              <a:ext uri="{FF2B5EF4-FFF2-40B4-BE49-F238E27FC236}">
+                <a16:creationId xmlns:a16="http://schemas.microsoft.com/office/drawing/2014/main" id="{9F155011-829B-4794-9B9F-5A9A739DEA7B}"/>
+              </a:ext>
+            </a:extLst>
+          </p:cNvPr>
+          <p:cNvSpPr txBox="1"/>
+          <p:nvPr/>
+        </p:nvSpPr>
+        <p:spPr>
+          <a:xfrm>
+            <a:off x="287524" y="938005"/>
+            <a:ext cx="8568952" cy="5262979"/>
+          </a:xfrm>
+          <a:prstGeom prst="rect">
+            <a:avLst/>
+          </a:prstGeom>
+          <a:noFill/>
+        </p:spPr>
+        <p:txBody>
+          <a:bodyPr wrap="square" rtlCol="0">
+            <a:spAutoFit/>
+          </a:bodyPr>
+          <a:lstStyle/>
+          <a:p>
+            <a:r>
+              <a:rPr lang="en-US" sz="2400" dirty="0">
+                <a:solidFill>
+                  <a:srgbClr val="000000"/>
+                </a:solidFill>
+                <a:latin typeface="Times New Roman" panose="02020603050405020304" pitchFamily="18" charset="0"/>
+                <a:cs typeface="Times New Roman" panose="02020603050405020304" pitchFamily="18" charset="0"/>
+              </a:rPr>
+              <a:t>During the development of this project we have learnt the following:</a:t>
+            </a:r>
+          </a:p>
+          <a:p>
+            <a:endParaRPr lang="en-US" sz="2400" dirty="0">
+              <a:solidFill>
+                <a:srgbClr val="000000"/>
+              </a:solidFill>
+              <a:latin typeface="Times New Roman" panose="02020603050405020304" pitchFamily="18" charset="0"/>
+              <a:cs typeface="Times New Roman" panose="02020603050405020304" pitchFamily="18" charset="0"/>
+            </a:endParaRPr>
+          </a:p>
+          <a:p>
+            <a:pPr marL="342900" indent="-342900">
+              <a:buFont typeface="Arial" panose="020B0604020202020204" pitchFamily="34" charset="0"/>
+              <a:buChar char="•"/>
+            </a:pPr>
+            <a:r>
+              <a:rPr lang="en-US" sz="2400" dirty="0">
+                <a:solidFill>
+                  <a:srgbClr val="000000"/>
+                </a:solidFill>
+                <a:latin typeface="Times New Roman" panose="02020603050405020304" pitchFamily="18" charset="0"/>
+                <a:cs typeface="Times New Roman" panose="02020603050405020304" pitchFamily="18" charset="0"/>
+              </a:rPr>
+              <a:t>Learned how to interface Arduino and </a:t>
+            </a:r>
+            <a:r>
+              <a:rPr lang="en-US" sz="2400" dirty="0" err="1">
+                <a:solidFill>
+                  <a:srgbClr val="000000"/>
+                </a:solidFill>
+                <a:latin typeface="Times New Roman" panose="02020603050405020304" pitchFamily="18" charset="0"/>
+                <a:cs typeface="Times New Roman" panose="02020603050405020304" pitchFamily="18" charset="0"/>
+              </a:rPr>
+              <a:t>Matlab</a:t>
+            </a:r>
+            <a:r>
+              <a:rPr lang="en-US" sz="2400" dirty="0">
+                <a:solidFill>
+                  <a:srgbClr val="000000"/>
+                </a:solidFill>
+                <a:latin typeface="Times New Roman" panose="02020603050405020304" pitchFamily="18" charset="0"/>
+                <a:cs typeface="Times New Roman" panose="02020603050405020304" pitchFamily="18" charset="0"/>
+              </a:rPr>
+              <a:t> for real time</a:t>
+            </a:r>
+          </a:p>
+          <a:p>
+            <a:r>
+              <a:rPr lang="en-US" sz="2400" dirty="0">
+                <a:solidFill>
+                  <a:srgbClr val="000000"/>
+                </a:solidFill>
+                <a:latin typeface="Times New Roman" panose="02020603050405020304" pitchFamily="18" charset="0"/>
+                <a:cs typeface="Times New Roman" panose="02020603050405020304" pitchFamily="18" charset="0"/>
+              </a:rPr>
+              <a:t>simulation and analysis</a:t>
+            </a:r>
+          </a:p>
+          <a:p>
+            <a:endParaRPr lang="en-US" sz="2400" dirty="0">
+              <a:solidFill>
+                <a:srgbClr val="000000"/>
+              </a:solidFill>
+              <a:latin typeface="Times New Roman" panose="02020603050405020304" pitchFamily="18" charset="0"/>
+              <a:cs typeface="Times New Roman" panose="02020603050405020304" pitchFamily="18" charset="0"/>
+            </a:endParaRPr>
+          </a:p>
+          <a:p>
+            <a:pPr marL="342900" indent="-342900">
+              <a:buFont typeface="Arial" panose="020B0604020202020204" pitchFamily="34" charset="0"/>
+              <a:buChar char="•"/>
+            </a:pPr>
+            <a:r>
+              <a:rPr lang="en-US" sz="2400" dirty="0">
+                <a:solidFill>
+                  <a:srgbClr val="000000"/>
+                </a:solidFill>
+                <a:latin typeface="Times New Roman" panose="02020603050405020304" pitchFamily="18" charset="0"/>
+                <a:cs typeface="Times New Roman" panose="02020603050405020304" pitchFamily="18" charset="0"/>
+              </a:rPr>
+              <a:t>Estimated the DC motor parameters in order to obtain an estimate</a:t>
+            </a:r>
+          </a:p>
+          <a:p>
+            <a:r>
+              <a:rPr lang="en-US" sz="2400" dirty="0">
+                <a:solidFill>
+                  <a:srgbClr val="000000"/>
+                </a:solidFill>
+                <a:latin typeface="Times New Roman" panose="02020603050405020304" pitchFamily="18" charset="0"/>
+                <a:cs typeface="Times New Roman" panose="02020603050405020304" pitchFamily="18" charset="0"/>
+              </a:rPr>
+              <a:t>of the motor torque</a:t>
+            </a:r>
+          </a:p>
+          <a:p>
+            <a:endParaRPr lang="en-US" sz="2400" dirty="0">
+              <a:solidFill>
+                <a:srgbClr val="000000"/>
+              </a:solidFill>
+              <a:latin typeface="Times New Roman" panose="02020603050405020304" pitchFamily="18" charset="0"/>
+              <a:cs typeface="Times New Roman" panose="02020603050405020304" pitchFamily="18" charset="0"/>
+            </a:endParaRPr>
+          </a:p>
+          <a:p>
+            <a:pPr marL="342900" indent="-342900">
+              <a:buFont typeface="Arial" panose="020B0604020202020204" pitchFamily="34" charset="0"/>
+              <a:buChar char="•"/>
+            </a:pPr>
+            <a:r>
+              <a:rPr lang="en-US" sz="2400" dirty="0">
+                <a:solidFill>
+                  <a:srgbClr val="000000"/>
+                </a:solidFill>
+                <a:latin typeface="Times New Roman" panose="02020603050405020304" pitchFamily="18" charset="0"/>
+                <a:cs typeface="Times New Roman" panose="02020603050405020304" pitchFamily="18" charset="0"/>
+              </a:rPr>
+              <a:t> Implemented a PI speed controller and seen the effects of the</a:t>
+            </a:r>
+          </a:p>
+          <a:p>
+            <a:r>
+              <a:rPr lang="en-US" sz="2400" dirty="0">
+                <a:solidFill>
+                  <a:srgbClr val="000000"/>
+                </a:solidFill>
+                <a:latin typeface="Times New Roman" panose="02020603050405020304" pitchFamily="18" charset="0"/>
+                <a:cs typeface="Times New Roman" panose="02020603050405020304" pitchFamily="18" charset="0"/>
+              </a:rPr>
+              <a:t>proportional and integral gains.</a:t>
+            </a:r>
+          </a:p>
+          <a:p>
+            <a:endParaRPr lang="en-US" sz="2400" dirty="0">
+              <a:solidFill>
+                <a:srgbClr val="000000"/>
+              </a:solidFill>
+              <a:latin typeface="Times New Roman" panose="02020603050405020304" pitchFamily="18" charset="0"/>
+              <a:cs typeface="Times New Roman" panose="02020603050405020304" pitchFamily="18" charset="0"/>
+            </a:endParaRPr>
+          </a:p>
+          <a:p>
+            <a:r>
+              <a:rPr lang="en-US" sz="2400" dirty="0">
+                <a:solidFill>
+                  <a:srgbClr val="000000"/>
+                </a:solidFill>
+                <a:latin typeface="Times New Roman" panose="02020603050405020304" pitchFamily="18" charset="0"/>
+                <a:cs typeface="Times New Roman" panose="02020603050405020304" pitchFamily="18" charset="0"/>
+              </a:rPr>
+              <a:t>Future work: possibly, an implementation of a position controller</a:t>
+            </a:r>
+          </a:p>
+          <a:p>
+            <a:r>
+              <a:rPr lang="en-US" sz="2400" dirty="0">
+                <a:solidFill>
+                  <a:srgbClr val="000000"/>
+                </a:solidFill>
+                <a:latin typeface="Times New Roman" panose="02020603050405020304" pitchFamily="18" charset="0"/>
+                <a:cs typeface="Times New Roman" panose="02020603050405020304" pitchFamily="18" charset="0"/>
+              </a:rPr>
+              <a:t>introducing external sensors to create a zero reference signal</a:t>
+            </a:r>
+          </a:p>
+          <a:p>
+            <a:r>
+              <a:rPr lang="en-US" sz="2400" dirty="0">
+                <a:solidFill>
+                  <a:srgbClr val="000000"/>
+                </a:solidFill>
+                <a:latin typeface="Times New Roman" panose="02020603050405020304" pitchFamily="18" charset="0"/>
+                <a:cs typeface="Times New Roman" panose="02020603050405020304" pitchFamily="18" charset="0"/>
+              </a:rPr>
+              <a:t>(mechanical or magnetic switch).</a:t>
+            </a:r>
+            <a:endParaRPr lang="en-IN" sz="2400" dirty="0">
+              <a:solidFill>
+                <a:srgbClr val="000000"/>
+              </a:solidFill>
+              <a:latin typeface="Times New Roman" panose="02020603050405020304" pitchFamily="18" charset="0"/>
+              <a:cs typeface="Times New Roman" panose="02020603050405020304" pitchFamily="18" charset="0"/>
+            </a:endParaRPr>
+          </a:p>
+        </p:txBody>
+      </p:sp>
+    </p:spTree>
+    <p:extLst>
+      <p:ext uri="{BB962C8B-B14F-4D97-AF65-F5344CB8AC3E}">
+        <p14:creationId xmlns:p14="http://schemas.microsoft.com/office/powerpoint/2010/main" val="4011620746"/>
+      </p:ext>
+    </p:extLst>
   </p:cSld>
   <p:clrMapOvr>
     <a:masterClrMapping/>
@@ -27959,7 +28736,7 @@
     <p:controls>
       <mc:AlternateContent xmlns:mc="http://schemas.openxmlformats.org/markup-compatibility/2006">
         <mc:Choice xmlns:v="urn:schemas-microsoft-com:vml" Requires="v">
-          <p:control spid="16436" name="HTMLCheckbox1" r:id="rId2" imgW="228600" imgH="274320"/>
+          <p:control spid="16460" name="HTMLCheckbox1" r:id="rId2" imgW="228600" imgH="274320"/>
         </mc:Choice>
         <mc:Fallback>
           <p:control name="HTMLCheckbox1" r:id="rId2" imgW="228600" imgH="274320">
@@ -28030,7 +28807,7 @@
       </mc:AlternateContent>
       <mc:AlternateContent xmlns:mc="http://schemas.openxmlformats.org/markup-compatibility/2006">
         <mc:Choice xmlns:v="urn:schemas-microsoft-com:vml" Requires="v">
-          <p:control spid="16437" name="HTMLCheckbox2" r:id="rId3" imgW="228600" imgH="274320"/>
+          <p:control spid="16461" name="HTMLCheckbox2" r:id="rId3" imgW="228600" imgH="274320"/>
         </mc:Choice>
         <mc:Fallback>
           <p:control name="HTMLCheckbox2" r:id="rId3" imgW="228600" imgH="274320">
@@ -28101,7 +28878,7 @@
       </mc:AlternateContent>
       <mc:AlternateContent xmlns:mc="http://schemas.openxmlformats.org/markup-compatibility/2006">
         <mc:Choice xmlns:v="urn:schemas-microsoft-com:vml" Requires="v">
-          <p:control spid="16438" name="HTMLCheckbox3" r:id="rId4" imgW="228600" imgH="274320"/>
+          <p:control spid="16462" name="HTMLCheckbox3" r:id="rId4" imgW="228600" imgH="274320"/>
         </mc:Choice>
         <mc:Fallback>
           <p:control name="HTMLCheckbox3" r:id="rId4" imgW="228600" imgH="274320">
@@ -28172,7 +28949,7 @@
       </mc:AlternateContent>
       <mc:AlternateContent xmlns:mc="http://schemas.openxmlformats.org/markup-compatibility/2006">
         <mc:Choice xmlns:v="urn:schemas-microsoft-com:vml" Requires="v">
-          <p:control spid="16439" name="HTMLCheckbox4" r:id="rId5" imgW="228600" imgH="274320"/>
+          <p:control spid="16463" name="HTMLCheckbox4" r:id="rId5" imgW="228600" imgH="274320"/>
         </mc:Choice>
         <mc:Fallback>
           <p:control name="HTMLCheckbox4" r:id="rId5" imgW="228600" imgH="274320">
@@ -28914,8 +29691,8 @@
         </p:blipFill>
         <p:spPr bwMode="auto">
           <a:xfrm>
-            <a:off x="4667250" y="2219308"/>
-            <a:ext cx="2101180" cy="1766901"/>
+            <a:off x="4415036" y="2304382"/>
+            <a:ext cx="3001094" cy="2523647"/>
           </a:xfrm>
           <a:prstGeom prst="rect">
             <a:avLst/>
@@ -28980,7 +29757,7 @@
                 <a:latin typeface="Times New Roman" panose="02020603050405020304" pitchFamily="18" charset="0"/>
                 <a:cs typeface="Times New Roman" panose="02020603050405020304" pitchFamily="18" charset="0"/>
               </a:rPr>
-              <a:t>R2=   </a:t>
+              <a:t>R2=  1000 </a:t>
             </a:r>
             <a:r>
               <a:rPr lang="el-GR" sz="1600" dirty="0">
@@ -29009,7 +29786,7 @@
                 <a:latin typeface="Times New Roman" panose="02020603050405020304" pitchFamily="18" charset="0"/>
                 <a:cs typeface="Times New Roman" panose="02020603050405020304" pitchFamily="18" charset="0"/>
               </a:rPr>
-              <a:t>R1=   </a:t>
+              <a:t>R1=  1000 </a:t>
             </a:r>
             <a:r>
               <a:rPr lang="el-GR" sz="1600" dirty="0">
@@ -29038,8 +29815,25 @@
                 <a:latin typeface="Times New Roman" panose="02020603050405020304" pitchFamily="18" charset="0"/>
                 <a:cs typeface="Times New Roman" panose="02020603050405020304" pitchFamily="18" charset="0"/>
               </a:rPr>
-              <a:t>Therefore, the gain Av= </a:t>
+              <a:t>Therefore, the gain Av</a:t>
             </a:r>
+            <a:r>
+              <a:rPr lang="en-IN" sz="1600">
+                <a:solidFill>
+                  <a:srgbClr val="000000"/>
+                </a:solidFill>
+                <a:latin typeface="Times New Roman" panose="02020603050405020304" pitchFamily="18" charset="0"/>
+                <a:cs typeface="Times New Roman" panose="02020603050405020304" pitchFamily="18" charset="0"/>
+              </a:rPr>
+              <a:t>= 2 </a:t>
+            </a:r>
+            <a:endParaRPr lang="en-IN" sz="1600" dirty="0">
+              <a:solidFill>
+                <a:srgbClr val="000000"/>
+              </a:solidFill>
+              <a:latin typeface="Times New Roman" panose="02020603050405020304" pitchFamily="18" charset="0"/>
+              <a:cs typeface="Times New Roman" panose="02020603050405020304" pitchFamily="18" charset="0"/>
+            </a:endParaRPr>
           </a:p>
         </p:txBody>
       </p:sp>

--- a/Matlab/presentazione.pptx
+++ b/Matlab/presentazione.pptx
@@ -5,10 +5,10 @@
     <p:sldMasterId id="2147483648" r:id="rId1"/>
   </p:sldMasterIdLst>
   <p:notesMasterIdLst>
-    <p:notesMasterId r:id="rId24"/>
+    <p:notesMasterId r:id="rId23"/>
   </p:notesMasterIdLst>
   <p:handoutMasterIdLst>
-    <p:handoutMasterId r:id="rId25"/>
+    <p:handoutMasterId r:id="rId24"/>
   </p:handoutMasterIdLst>
   <p:sldIdLst>
     <p:sldId id="263" r:id="rId2"/>
@@ -31,8 +31,7 @@
     <p:sldId id="276" r:id="rId19"/>
     <p:sldId id="279" r:id="rId20"/>
     <p:sldId id="280" r:id="rId21"/>
-    <p:sldId id="281" r:id="rId22"/>
-    <p:sldId id="277" r:id="rId23"/>
+    <p:sldId id="277" r:id="rId22"/>
   </p:sldIdLst>
   <p:sldSz cx="9144000" cy="6858000" type="screen4x3"/>
   <p:notesSz cx="6858000" cy="9144000"/>
@@ -2418,7 +2417,7 @@
               <a:pPr>
                 <a:defRPr/>
               </a:pPr>
-              <a:t>2/17/2020</a:t>
+              <a:t>2/18/2020</a:t>
             </a:fld>
             <a:endParaRPr lang="it-IT" altLang="en-US"/>
           </a:p>
@@ -2647,7 +2646,7 @@
               <a:pPr>
                 <a:defRPr/>
               </a:pPr>
-              <a:t>2/17/2020</a:t>
+              <a:t>2/18/2020</a:t>
             </a:fld>
             <a:endParaRPr lang="it-IT" altLang="en-US"/>
           </a:p>
@@ -2886,7 +2885,7 @@
               <a:pPr>
                 <a:defRPr/>
               </a:pPr>
-              <a:t>2/17/2020</a:t>
+              <a:t>2/18/2020</a:t>
             </a:fld>
             <a:endParaRPr lang="it-IT" altLang="en-US"/>
           </a:p>
@@ -3182,7 +3181,7 @@
               <a:pPr>
                 <a:defRPr/>
               </a:pPr>
-              <a:t>2/17/2020</a:t>
+              <a:t>2/18/2020</a:t>
             </a:fld>
             <a:endParaRPr lang="it-IT" altLang="en-US"/>
           </a:p>
@@ -3389,7 +3388,7 @@
               <a:pPr>
                 <a:defRPr/>
               </a:pPr>
-              <a:t>2/17/2020</a:t>
+              <a:t>2/18/2020</a:t>
             </a:fld>
             <a:endParaRPr lang="it-IT" altLang="en-US"/>
           </a:p>
@@ -3596,7 +3595,7 @@
               <a:pPr>
                 <a:defRPr/>
               </a:pPr>
-              <a:t>2/17/2020</a:t>
+              <a:t>2/18/2020</a:t>
             </a:fld>
             <a:endParaRPr lang="it-IT" altLang="en-US"/>
           </a:p>
@@ -3825,7 +3824,7 @@
               <a:pPr>
                 <a:defRPr/>
               </a:pPr>
-              <a:t>2/17/2020</a:t>
+              <a:t>2/18/2020</a:t>
             </a:fld>
             <a:endParaRPr lang="it-IT" altLang="en-US"/>
           </a:p>
@@ -4076,7 +4075,7 @@
               <a:pPr>
                 <a:defRPr/>
               </a:pPr>
-              <a:t>2/17/2020</a:t>
+              <a:t>2/18/2020</a:t>
             </a:fld>
             <a:endParaRPr lang="it-IT" altLang="en-US"/>
           </a:p>
@@ -4367,7 +4366,7 @@
               <a:pPr>
                 <a:defRPr/>
               </a:pPr>
-              <a:t>2/17/2020</a:t>
+              <a:t>2/18/2020</a:t>
             </a:fld>
             <a:endParaRPr lang="it-IT" altLang="en-US"/>
           </a:p>
@@ -4793,7 +4792,7 @@
               <a:pPr>
                 <a:defRPr/>
               </a:pPr>
-              <a:t>2/17/2020</a:t>
+              <a:t>2/18/2020</a:t>
             </a:fld>
             <a:endParaRPr lang="it-IT" altLang="en-US"/>
           </a:p>
@@ -4970,7 +4969,7 @@
               <a:pPr>
                 <a:defRPr/>
               </a:pPr>
-              <a:t>2/17/2020</a:t>
+              <a:t>2/18/2020</a:t>
             </a:fld>
             <a:endParaRPr lang="it-IT" altLang="en-US"/>
           </a:p>
@@ -5124,7 +5123,7 @@
               <a:pPr>
                 <a:defRPr/>
               </a:pPr>
-              <a:t>2/17/2020</a:t>
+              <a:t>2/18/2020</a:t>
             </a:fld>
             <a:endParaRPr lang="it-IT" altLang="en-US"/>
           </a:p>
@@ -5460,7 +5459,7 @@
               <a:pPr>
                 <a:defRPr/>
               </a:pPr>
-              <a:t>2/17/2020</a:t>
+              <a:t>2/18/2020</a:t>
             </a:fld>
             <a:endParaRPr lang="it-IT" altLang="en-US"/>
           </a:p>
@@ -5773,7 +5772,7 @@
               <a:pPr>
                 <a:defRPr/>
               </a:pPr>
-              <a:t>2/17/2020</a:t>
+              <a:t>2/18/2020</a:t>
             </a:fld>
             <a:endParaRPr lang="it-IT" altLang="en-US"/>
           </a:p>
@@ -6420,7 +6419,7 @@
               <a:pPr>
                 <a:defRPr/>
               </a:pPr>
-              <a:t>2/17/2020</a:t>
+              <a:t>2/18/2020</a:t>
             </a:fld>
             <a:endParaRPr lang="it-IT" altLang="en-US"/>
           </a:p>
@@ -7979,7 +7978,7 @@
             <a:fld id="{C0F5E2FB-5B13-4461-8C07-47635602BBF2}" type="datetime1">
               <a:rPr lang="en-US" altLang="en-US" sz="1100" smtClean="0"/>
               <a:pPr/>
-              <a:t>2/17/2020</a:t>
+              <a:t>2/18/2020</a:t>
             </a:fld>
             <a:endParaRPr lang="it-IT" altLang="en-US" sz="1100"/>
           </a:p>
@@ -8629,7 +8628,7 @@
             <a:fld id="{46E3EAF6-98C4-4ED2-937D-F33E51985869}" type="datetime1">
               <a:rPr lang="en-US" altLang="en-US" sz="1100" smtClean="0"/>
               <a:pPr/>
-              <a:t>2/17/2020</a:t>
+              <a:t>2/18/2020</a:t>
             </a:fld>
             <a:endParaRPr lang="it-IT" altLang="en-US" sz="1100"/>
           </a:p>
@@ -11493,7 +11492,7 @@
             <a:fld id="{C25911CA-1C2B-4F54-A1C8-CC7027457060}" type="datetime1">
               <a:rPr lang="en-US" altLang="en-US" sz="1100" smtClean="0"/>
               <a:pPr/>
-              <a:t>2/17/2020</a:t>
+              <a:t>2/18/2020</a:t>
             </a:fld>
             <a:endParaRPr lang="it-IT" altLang="en-US" sz="1100"/>
           </a:p>
@@ -11994,7 +11993,7 @@
               <a:pPr>
                 <a:defRPr/>
               </a:pPr>
-              <a:t>2/17/2020</a:t>
+              <a:t>2/18/2020</a:t>
             </a:fld>
             <a:endParaRPr lang="it-IT" altLang="en-US"/>
           </a:p>
@@ -12610,7 +12609,7 @@
               <a:pPr>
                 <a:defRPr/>
               </a:pPr>
-              <a:t>2/17/2020</a:t>
+              <a:t>2/18/2020</a:t>
             </a:fld>
             <a:endParaRPr lang="it-IT" altLang="en-US"/>
           </a:p>
@@ -12939,7 +12938,7 @@
               <a:pPr>
                 <a:defRPr/>
               </a:pPr>
-              <a:t>2/17/2020</a:t>
+              <a:t>2/18/2020</a:t>
             </a:fld>
             <a:endParaRPr lang="it-IT" altLang="en-US"/>
           </a:p>
@@ -14552,7 +14551,7 @@
               <a:pPr>
                 <a:defRPr/>
               </a:pPr>
-              <a:t>2/17/2020</a:t>
+              <a:t>2/18/2020</a:t>
             </a:fld>
             <a:endParaRPr lang="it-IT" altLang="en-US">
               <a:solidFill>
@@ -15805,7 +15804,7 @@
               <a:pPr>
                 <a:defRPr/>
               </a:pPr>
-              <a:t>2/17/2020</a:t>
+              <a:t>2/18/2020</a:t>
             </a:fld>
             <a:endParaRPr lang="it-IT" altLang="en-US"/>
           </a:p>
@@ -17073,7 +17072,7 @@
               <a:pPr>
                 <a:defRPr/>
               </a:pPr>
-              <a:t>2/17/2020</a:t>
+              <a:t>2/18/2020</a:t>
             </a:fld>
             <a:endParaRPr lang="it-IT" altLang="en-US"/>
           </a:p>
@@ -18752,7 +18751,7 @@
               <a:pPr>
                 <a:defRPr/>
               </a:pPr>
-              <a:t>2/17/2020</a:t>
+              <a:t>2/18/2020</a:t>
             </a:fld>
             <a:endParaRPr lang="it-IT" altLang="en-US"/>
           </a:p>
@@ -19100,7 +19099,7 @@
                 <a:buFontTx/>
                 <a:buNone/>
               </a:pPr>
-              <a:t>2/17/2020</a:t>
+              <a:t>2/18/2020</a:t>
             </a:fld>
             <a:endParaRPr lang="it-IT" altLang="en-US" sz="1100">
               <a:solidFill>
@@ -20331,7 +20330,7 @@
               <a:pPr>
                 <a:defRPr/>
               </a:pPr>
-              <a:t>2/17/2020</a:t>
+              <a:t>2/18/2020</a:t>
             </a:fld>
             <a:endParaRPr lang="it-IT" altLang="en-US"/>
           </a:p>
@@ -20479,192 +20478,6 @@
           <p:cNvPr id="2" name="Title 1">
             <a:extLst>
               <a:ext uri="{FF2B5EF4-FFF2-40B4-BE49-F238E27FC236}">
-                <a16:creationId xmlns:a16="http://schemas.microsoft.com/office/drawing/2014/main" id="{2886EE58-F4E3-401F-9B4D-921B2367FDD3}"/>
-              </a:ext>
-            </a:extLst>
-          </p:cNvPr>
-          <p:cNvSpPr>
-            <a:spLocks noGrp="1"/>
-          </p:cNvSpPr>
-          <p:nvPr>
-            <p:ph type="title"/>
-          </p:nvPr>
-        </p:nvSpPr>
-        <p:spPr/>
-        <p:txBody>
-          <a:bodyPr/>
-          <a:lstStyle/>
-          <a:p>
-            <a:endParaRPr lang="en-IN"/>
-          </a:p>
-        </p:txBody>
-      </p:sp>
-      <p:sp>
-        <p:nvSpPr>
-          <p:cNvPr id="3" name="Content Placeholder 2">
-            <a:extLst>
-              <a:ext uri="{FF2B5EF4-FFF2-40B4-BE49-F238E27FC236}">
-                <a16:creationId xmlns:a16="http://schemas.microsoft.com/office/drawing/2014/main" id="{4DAD25C7-4D53-4F8B-A96A-7D9F191CBF17}"/>
-              </a:ext>
-            </a:extLst>
-          </p:cNvPr>
-          <p:cNvSpPr>
-            <a:spLocks noGrp="1"/>
-          </p:cNvSpPr>
-          <p:nvPr>
-            <p:ph idx="1"/>
-          </p:nvPr>
-        </p:nvSpPr>
-        <p:spPr/>
-        <p:txBody>
-          <a:bodyPr/>
-          <a:lstStyle/>
-          <a:p>
-            <a:endParaRPr lang="en-IN"/>
-          </a:p>
-        </p:txBody>
-      </p:sp>
-      <p:sp>
-        <p:nvSpPr>
-          <p:cNvPr id="4" name="Date Placeholder 3">
-            <a:extLst>
-              <a:ext uri="{FF2B5EF4-FFF2-40B4-BE49-F238E27FC236}">
-                <a16:creationId xmlns:a16="http://schemas.microsoft.com/office/drawing/2014/main" id="{DEA03246-03DA-402C-B8CE-CC0892827F70}"/>
-              </a:ext>
-            </a:extLst>
-          </p:cNvPr>
-          <p:cNvSpPr>
-            <a:spLocks noGrp="1"/>
-          </p:cNvSpPr>
-          <p:nvPr>
-            <p:ph type="dt" sz="half" idx="10"/>
-          </p:nvPr>
-        </p:nvSpPr>
-        <p:spPr/>
-        <p:txBody>
-          <a:bodyPr/>
-          <a:lstStyle/>
-          <a:p>
-            <a:pPr>
-              <a:defRPr/>
-            </a:pPr>
-            <a:fld id="{8788D6E5-DD1B-4A91-84A1-CD33954E8356}" type="datetime1">
-              <a:rPr lang="en-US" altLang="en-US" smtClean="0"/>
-              <a:pPr>
-                <a:defRPr/>
-              </a:pPr>
-              <a:t>2/17/2020</a:t>
-            </a:fld>
-            <a:endParaRPr lang="it-IT" altLang="en-US"/>
-          </a:p>
-        </p:txBody>
-      </p:sp>
-      <p:sp>
-        <p:nvSpPr>
-          <p:cNvPr id="5" name="Footer Placeholder 4">
-            <a:extLst>
-              <a:ext uri="{FF2B5EF4-FFF2-40B4-BE49-F238E27FC236}">
-                <a16:creationId xmlns:a16="http://schemas.microsoft.com/office/drawing/2014/main" id="{41CC05EC-2764-4130-971C-4DB5B7F6A9E7}"/>
-              </a:ext>
-            </a:extLst>
-          </p:cNvPr>
-          <p:cNvSpPr>
-            <a:spLocks noGrp="1"/>
-          </p:cNvSpPr>
-          <p:nvPr>
-            <p:ph type="ftr" sz="quarter" idx="11"/>
-          </p:nvPr>
-        </p:nvSpPr>
-        <p:spPr/>
-        <p:txBody>
-          <a:bodyPr/>
-          <a:lstStyle/>
-          <a:p>
-            <a:pPr>
-              <a:defRPr/>
-            </a:pPr>
-            <a:r>
-              <a:rPr lang="en-US" altLang="en-US"/>
-              <a:t>Estimation of DC Motor Load</a:t>
-            </a:r>
-            <a:endParaRPr lang="it-IT" altLang="en-US"/>
-          </a:p>
-        </p:txBody>
-      </p:sp>
-      <p:sp>
-        <p:nvSpPr>
-          <p:cNvPr id="6" name="Slide Number Placeholder 5">
-            <a:extLst>
-              <a:ext uri="{FF2B5EF4-FFF2-40B4-BE49-F238E27FC236}">
-                <a16:creationId xmlns:a16="http://schemas.microsoft.com/office/drawing/2014/main" id="{1CBC63C7-3876-412B-BDAA-9E60B00A56C0}"/>
-              </a:ext>
-            </a:extLst>
-          </p:cNvPr>
-          <p:cNvSpPr>
-            <a:spLocks noGrp="1"/>
-          </p:cNvSpPr>
-          <p:nvPr>
-            <p:ph type="sldNum" sz="quarter" idx="12"/>
-          </p:nvPr>
-        </p:nvSpPr>
-        <p:spPr/>
-        <p:txBody>
-          <a:bodyPr/>
-          <a:lstStyle/>
-          <a:p>
-            <a:pPr>
-              <a:defRPr/>
-            </a:pPr>
-            <a:r>
-              <a:rPr lang="it-IT" altLang="en-US"/>
-              <a:t>Pagina </a:t>
-            </a:r>
-            <a:fld id="{518FB3ED-A44A-45B9-BA92-347FF2C76328}" type="slidenum">
-              <a:rPr lang="it-IT" altLang="en-US" smtClean="0"/>
-              <a:pPr>
-                <a:defRPr/>
-              </a:pPr>
-              <a:t>21</a:t>
-            </a:fld>
-            <a:endParaRPr lang="it-IT" altLang="en-US"/>
-          </a:p>
-        </p:txBody>
-      </p:sp>
-    </p:spTree>
-    <p:extLst>
-      <p:ext uri="{BB962C8B-B14F-4D97-AF65-F5344CB8AC3E}">
-        <p14:creationId xmlns:p14="http://schemas.microsoft.com/office/powerpoint/2010/main" val="3721282757"/>
-      </p:ext>
-    </p:extLst>
-  </p:cSld>
-  <p:clrMapOvr>
-    <a:masterClrMapping/>
-  </p:clrMapOvr>
-</p:sld>
-</file>
-
-<file path=ppt/slides/slide22.xml><?xml version="1.0" encoding="utf-8"?>
-<p:sld xmlns:a="http://schemas.openxmlformats.org/drawingml/2006/main" xmlns:r="http://schemas.openxmlformats.org/officeDocument/2006/relationships" xmlns:p="http://schemas.openxmlformats.org/presentationml/2006/main">
-  <p:cSld>
-    <p:spTree>
-      <p:nvGrpSpPr>
-        <p:cNvPr id="1" name=""/>
-        <p:cNvGrpSpPr/>
-        <p:nvPr/>
-      </p:nvGrpSpPr>
-      <p:grpSpPr>
-        <a:xfrm>
-          <a:off x="0" y="0"/>
-          <a:ext cx="0" cy="0"/>
-          <a:chOff x="0" y="0"/>
-          <a:chExt cx="0" cy="0"/>
-        </a:xfrm>
-      </p:grpSpPr>
-      <p:sp>
-        <p:nvSpPr>
-          <p:cNvPr id="2" name="Title 1">
-            <a:extLst>
-              <a:ext uri="{FF2B5EF4-FFF2-40B4-BE49-F238E27FC236}">
                 <a16:creationId xmlns:a16="http://schemas.microsoft.com/office/drawing/2014/main" id="{D8910176-865B-4D65-B4F1-474EEF7F5D06}"/>
               </a:ext>
             </a:extLst>
@@ -20726,7 +20539,7 @@
               <a:pPr>
                 <a:defRPr/>
               </a:pPr>
-              <a:t>2/17/2020</a:t>
+              <a:t>2/18/2020</a:t>
             </a:fld>
             <a:endParaRPr lang="it-IT" altLang="en-US"/>
           </a:p>
@@ -20797,7 +20610,7 @@
               <a:pPr>
                 <a:defRPr/>
               </a:pPr>
-              <a:t>22</a:t>
+              <a:t>21</a:t>
             </a:fld>
             <a:endParaRPr lang="it-IT" altLang="en-US"/>
           </a:p>
@@ -21254,7 +21067,7 @@
                 <a:buFontTx/>
                 <a:buNone/>
               </a:pPr>
-              <a:t>2/17/2020</a:t>
+              <a:t>2/18/2020</a:t>
             </a:fld>
             <a:endParaRPr lang="it-IT" altLang="en-US" sz="1100">
               <a:solidFill>
@@ -22408,7 +22221,7 @@
                 <a:buFontTx/>
                 <a:buNone/>
               </a:pPr>
-              <a:t>2/17/2020</a:t>
+              <a:t>2/18/2020</a:t>
             </a:fld>
             <a:endParaRPr lang="it-IT" altLang="en-US" sz="1100">
               <a:solidFill>
@@ -23285,7 +23098,7 @@
                 <a:buFontTx/>
                 <a:buNone/>
               </a:pPr>
-              <a:t>2/17/2020</a:t>
+              <a:t>2/18/2020</a:t>
             </a:fld>
             <a:endParaRPr lang="it-IT" altLang="en-US" sz="1100">
               <a:solidFill>
@@ -25439,7 +25252,7 @@
                 <a:buFontTx/>
                 <a:buNone/>
               </a:pPr>
-              <a:t>2/17/2020</a:t>
+              <a:t>2/18/2020</a:t>
             </a:fld>
             <a:endParaRPr lang="it-IT" altLang="en-US" sz="1100">
               <a:solidFill>
@@ -26307,7 +26120,7 @@
             <a:fld id="{DE1F35CF-F374-4E38-939C-73C7C4F0F1AC}" type="datetime1">
               <a:rPr lang="en-US" altLang="en-US" sz="1100" smtClean="0"/>
               <a:pPr/>
-              <a:t>2/17/2020</a:t>
+              <a:t>2/18/2020</a:t>
             </a:fld>
             <a:endParaRPr lang="it-IT" altLang="en-US" sz="1100"/>
           </a:p>
@@ -27274,7 +27087,7 @@
             <a:fld id="{B10CE6C6-7EB8-48DC-BB49-70950B4F1E13}" type="datetime1">
               <a:rPr lang="en-US" altLang="en-US" sz="1100" smtClean="0"/>
               <a:pPr/>
-              <a:t>2/17/2020</a:t>
+              <a:t>2/18/2020</a:t>
             </a:fld>
             <a:endParaRPr lang="it-IT" altLang="en-US" sz="1100"/>
           </a:p>
@@ -28736,7 +28549,7 @@
     <p:controls>
       <mc:AlternateContent xmlns:mc="http://schemas.openxmlformats.org/markup-compatibility/2006">
         <mc:Choice xmlns:v="urn:schemas-microsoft-com:vml" Requires="v">
-          <p:control spid="16460" name="HTMLCheckbox1" r:id="rId2" imgW="228600" imgH="274320"/>
+          <p:control spid="16464" name="HTMLCheckbox1" r:id="rId2" imgW="228600" imgH="274320"/>
         </mc:Choice>
         <mc:Fallback>
           <p:control name="HTMLCheckbox1" r:id="rId2" imgW="228600" imgH="274320">
@@ -28807,7 +28620,7 @@
       </mc:AlternateContent>
       <mc:AlternateContent xmlns:mc="http://schemas.openxmlformats.org/markup-compatibility/2006">
         <mc:Choice xmlns:v="urn:schemas-microsoft-com:vml" Requires="v">
-          <p:control spid="16461" name="HTMLCheckbox2" r:id="rId3" imgW="228600" imgH="274320"/>
+          <p:control spid="16465" name="HTMLCheckbox2" r:id="rId3" imgW="228600" imgH="274320"/>
         </mc:Choice>
         <mc:Fallback>
           <p:control name="HTMLCheckbox2" r:id="rId3" imgW="228600" imgH="274320">
@@ -28878,7 +28691,7 @@
       </mc:AlternateContent>
       <mc:AlternateContent xmlns:mc="http://schemas.openxmlformats.org/markup-compatibility/2006">
         <mc:Choice xmlns:v="urn:schemas-microsoft-com:vml" Requires="v">
-          <p:control spid="16462" name="HTMLCheckbox3" r:id="rId4" imgW="228600" imgH="274320"/>
+          <p:control spid="16466" name="HTMLCheckbox3" r:id="rId4" imgW="228600" imgH="274320"/>
         </mc:Choice>
         <mc:Fallback>
           <p:control name="HTMLCheckbox3" r:id="rId4" imgW="228600" imgH="274320">
@@ -28949,7 +28762,7 @@
       </mc:AlternateContent>
       <mc:AlternateContent xmlns:mc="http://schemas.openxmlformats.org/markup-compatibility/2006">
         <mc:Choice xmlns:v="urn:schemas-microsoft-com:vml" Requires="v">
-          <p:control spid="16463" name="HTMLCheckbox4" r:id="rId5" imgW="228600" imgH="274320"/>
+          <p:control spid="16467" name="HTMLCheckbox4" r:id="rId5" imgW="228600" imgH="274320"/>
         </mc:Choice>
         <mc:Fallback>
           <p:control name="HTMLCheckbox4" r:id="rId5" imgW="228600" imgH="274320">
@@ -29242,7 +29055,7 @@
             <a:fld id="{99D783EA-DFC8-464D-9A02-800E1AA91FCB}" type="datetime1">
               <a:rPr lang="en-US" altLang="en-US" sz="1100" smtClean="0"/>
               <a:pPr/>
-              <a:t>2/17/2020</a:t>
+              <a:t>2/18/2020</a:t>
             </a:fld>
             <a:endParaRPr lang="it-IT" altLang="en-US" sz="1100"/>
           </a:p>
